--- a/NIST_Data_Leakage_Case/NIST_Data_Leakage_07_NetworkDrive_ShellBag.pptx
+++ b/NIST_Data_Leakage_Case/NIST_Data_Leakage_07_NetworkDrive_ShellBag.pptx
@@ -143,17 +143,6 @@
 </p:presentation>
 </file>
 
-<file path=ppt/revisionInfo.xml><?xml version="1.0" encoding="utf-8"?>
-<p1510:revInfo xmlns:a="http://schemas.openxmlformats.org/drawingml/2006/main" xmlns:r="http://schemas.openxmlformats.org/officeDocument/2006/relationships" xmlns:p1510="http://schemas.microsoft.com/office/powerpoint/2015/10/main">
-  <p1510:revLst>
-    <p1510:client id="{1145B16C-5E93-681B-B9BA-C7C9CDE20735}" v="10" dt="2020-10-22T20:25:25.022"/>
-    <p1510:client id="{1CD4744B-46E9-485E-8B11-DDA791EF49FF}" v="7" dt="2020-10-19T08:22:19.562"/>
-    <p1510:client id="{958F2B95-A119-46FD-A9C8-D15EFF7E5855}" v="1" dt="2020-10-26T10:32:09.184"/>
-    <p1510:client id="{B83D6D4A-8526-ED03-5564-28094B8B860F}" v="1" dt="2020-10-14T02:33:05.698"/>
-  </p1510:revLst>
-</p1510:revInfo>
-</file>
-
 <file path=ppt/changesInfos/changesInfo1.xml><?xml version="1.0" encoding="utf-8"?>
 <pc:chgInfo xmlns:a="http://schemas.openxmlformats.org/drawingml/2006/main" xmlns:r="http://schemas.openxmlformats.org/officeDocument/2006/relationships" xmlns:ac="http://schemas.microsoft.com/office/drawing/2013/main/command" xmlns:pc="http://schemas.microsoft.com/office/powerpoint/2013/main/command">
   <pc:docChgLst>
@@ -181,26 +170,72 @@
     </pc:docChg>
   </pc:docChgLst>
   <pc:docChgLst>
-    <pc:chgData name="Richard Wheeless" userId="S::id63la41@ubalt.edu::edf7d7f9-5d95-4eec-886d-0f745236a21b" providerId="AD" clId="Web-{1145B16C-5E93-681B-B9BA-C7C9CDE20735}"/>
-    <pc:docChg chg="modSld">
-      <pc:chgData name="Richard Wheeless" userId="S::id63la41@ubalt.edu::edf7d7f9-5d95-4eec-886d-0f745236a21b" providerId="AD" clId="Web-{1145B16C-5E93-681B-B9BA-C7C9CDE20735}" dt="2020-10-22T20:25:25.022" v="9" actId="1076"/>
+    <pc:chgData name="Richard Wheeless" userId="S::id63la41@ubalt.edu::edf7d7f9-5d95-4eec-886d-0f745236a21b" providerId="AD" clId="Web-{958F2B95-A119-46FD-A9C8-D15EFF7E5855}"/>
+    <pc:docChg chg="sldOrd">
+      <pc:chgData name="Richard Wheeless" userId="S::id63la41@ubalt.edu::edf7d7f9-5d95-4eec-886d-0f745236a21b" providerId="AD" clId="Web-{958F2B95-A119-46FD-A9C8-D15EFF7E5855}" dt="2020-10-26T10:32:09.184" v="0"/>
       <pc:docMkLst>
         <pc:docMk/>
       </pc:docMkLst>
-      <pc:sldChg chg="modSp">
-        <pc:chgData name="Richard Wheeless" userId="S::id63la41@ubalt.edu::edf7d7f9-5d95-4eec-886d-0f745236a21b" providerId="AD" clId="Web-{1145B16C-5E93-681B-B9BA-C7C9CDE20735}" dt="2020-10-22T20:25:25.022" v="9" actId="1076"/>
+      <pc:sldChg chg="ord">
+        <pc:chgData name="Richard Wheeless" userId="S::id63la41@ubalt.edu::edf7d7f9-5d95-4eec-886d-0f745236a21b" providerId="AD" clId="Web-{958F2B95-A119-46FD-A9C8-D15EFF7E5855}" dt="2020-10-26T10:32:09.184" v="0"/>
         <pc:sldMkLst>
           <pc:docMk/>
-          <pc:sldMk cId="244327251" sldId="272"/>
+          <pc:sldMk cId="3280354511" sldId="273"/>
         </pc:sldMkLst>
-        <pc:picChg chg="mod">
-          <ac:chgData name="Richard Wheeless" userId="S::id63la41@ubalt.edu::edf7d7f9-5d95-4eec-886d-0f745236a21b" providerId="AD" clId="Web-{1145B16C-5E93-681B-B9BA-C7C9CDE20735}" dt="2020-10-22T20:25:25.022" v="9" actId="1076"/>
-          <ac:picMkLst>
+      </pc:sldChg>
+    </pc:docChg>
+  </pc:docChgLst>
+  <pc:docChgLst>
+    <pc:chgData name="Weifeng Xu" userId="e7aed605-a3dd-4d5a-a692-a87037af107b" providerId="ADAL" clId="{CE8BBE06-8277-4287-8075-01C2813EE764}"/>
+    <pc:docChg chg="modSld">
+      <pc:chgData name="Weifeng Xu" userId="e7aed605-a3dd-4d5a-a692-a87037af107b" providerId="ADAL" clId="{CE8BBE06-8277-4287-8075-01C2813EE764}" dt="2021-01-30T00:15:46.129" v="8" actId="20577"/>
+      <pc:docMkLst>
+        <pc:docMk/>
+      </pc:docMkLst>
+      <pc:sldChg chg="modSp mod">
+        <pc:chgData name="Weifeng Xu" userId="e7aed605-a3dd-4d5a-a692-a87037af107b" providerId="ADAL" clId="{CE8BBE06-8277-4287-8075-01C2813EE764}" dt="2021-01-29T13:41:16.425" v="4" actId="6549"/>
+        <pc:sldMkLst>
+          <pc:docMk/>
+          <pc:sldMk cId="3149611631" sldId="264"/>
+        </pc:sldMkLst>
+        <pc:spChg chg="mod">
+          <ac:chgData name="Weifeng Xu" userId="e7aed605-a3dd-4d5a-a692-a87037af107b" providerId="ADAL" clId="{CE8BBE06-8277-4287-8075-01C2813EE764}" dt="2021-01-29T13:41:16.425" v="4" actId="6549"/>
+          <ac:spMkLst>
             <pc:docMk/>
-            <pc:sldMk cId="244327251" sldId="272"/>
-            <ac:picMk id="4" creationId="{00000000-0000-0000-0000-000000000000}"/>
-          </ac:picMkLst>
-        </pc:picChg>
+            <pc:sldMk cId="3149611631" sldId="264"/>
+            <ac:spMk id="3" creationId="{00000000-0000-0000-0000-000000000000}"/>
+          </ac:spMkLst>
+        </pc:spChg>
+      </pc:sldChg>
+      <pc:sldChg chg="modSp mod">
+        <pc:chgData name="Weifeng Xu" userId="e7aed605-a3dd-4d5a-a692-a87037af107b" providerId="ADAL" clId="{CE8BBE06-8277-4287-8075-01C2813EE764}" dt="2021-01-29T20:59:22.315" v="6" actId="20577"/>
+        <pc:sldMkLst>
+          <pc:docMk/>
+          <pc:sldMk cId="137281088" sldId="276"/>
+        </pc:sldMkLst>
+        <pc:spChg chg="mod">
+          <ac:chgData name="Weifeng Xu" userId="e7aed605-a3dd-4d5a-a692-a87037af107b" providerId="ADAL" clId="{CE8BBE06-8277-4287-8075-01C2813EE764}" dt="2021-01-29T20:59:22.315" v="6" actId="20577"/>
+          <ac:spMkLst>
+            <pc:docMk/>
+            <pc:sldMk cId="137281088" sldId="276"/>
+            <ac:spMk id="2" creationId="{00000000-0000-0000-0000-000000000000}"/>
+          </ac:spMkLst>
+        </pc:spChg>
+      </pc:sldChg>
+      <pc:sldChg chg="modSp mod">
+        <pc:chgData name="Weifeng Xu" userId="e7aed605-a3dd-4d5a-a692-a87037af107b" providerId="ADAL" clId="{CE8BBE06-8277-4287-8075-01C2813EE764}" dt="2021-01-30T00:15:46.129" v="8" actId="20577"/>
+        <pc:sldMkLst>
+          <pc:docMk/>
+          <pc:sldMk cId="3593567398" sldId="281"/>
+        </pc:sldMkLst>
+        <pc:spChg chg="mod">
+          <ac:chgData name="Weifeng Xu" userId="e7aed605-a3dd-4d5a-a692-a87037af107b" providerId="ADAL" clId="{CE8BBE06-8277-4287-8075-01C2813EE764}" dt="2021-01-30T00:15:46.129" v="8" actId="20577"/>
+          <ac:spMkLst>
+            <pc:docMk/>
+            <pc:sldMk cId="3593567398" sldId="281"/>
+            <ac:spMk id="4" creationId="{00000000-0000-0000-0000-000000000000}"/>
+          </ac:spMkLst>
+        </pc:spChg>
       </pc:sldChg>
     </pc:docChg>
   </pc:docChgLst>
@@ -237,18 +272,26 @@
     </pc:docChg>
   </pc:docChgLst>
   <pc:docChgLst>
-    <pc:chgData name="Richard Wheeless" userId="S::id63la41@ubalt.edu::edf7d7f9-5d95-4eec-886d-0f745236a21b" providerId="AD" clId="Web-{958F2B95-A119-46FD-A9C8-D15EFF7E5855}"/>
-    <pc:docChg chg="sldOrd">
-      <pc:chgData name="Richard Wheeless" userId="S::id63la41@ubalt.edu::edf7d7f9-5d95-4eec-886d-0f745236a21b" providerId="AD" clId="Web-{958F2B95-A119-46FD-A9C8-D15EFF7E5855}" dt="2020-10-26T10:32:09.184" v="0"/>
+    <pc:chgData name="Richard Wheeless" userId="S::id63la41@ubalt.edu::edf7d7f9-5d95-4eec-886d-0f745236a21b" providerId="AD" clId="Web-{1145B16C-5E93-681B-B9BA-C7C9CDE20735}"/>
+    <pc:docChg chg="modSld">
+      <pc:chgData name="Richard Wheeless" userId="S::id63la41@ubalt.edu::edf7d7f9-5d95-4eec-886d-0f745236a21b" providerId="AD" clId="Web-{1145B16C-5E93-681B-B9BA-C7C9CDE20735}" dt="2020-10-22T20:25:25.022" v="9" actId="1076"/>
       <pc:docMkLst>
         <pc:docMk/>
       </pc:docMkLst>
-      <pc:sldChg chg="ord">
-        <pc:chgData name="Richard Wheeless" userId="S::id63la41@ubalt.edu::edf7d7f9-5d95-4eec-886d-0f745236a21b" providerId="AD" clId="Web-{958F2B95-A119-46FD-A9C8-D15EFF7E5855}" dt="2020-10-26T10:32:09.184" v="0"/>
+      <pc:sldChg chg="modSp">
+        <pc:chgData name="Richard Wheeless" userId="S::id63la41@ubalt.edu::edf7d7f9-5d95-4eec-886d-0f745236a21b" providerId="AD" clId="Web-{1145B16C-5E93-681B-B9BA-C7C9CDE20735}" dt="2020-10-22T20:25:25.022" v="9" actId="1076"/>
         <pc:sldMkLst>
           <pc:docMk/>
-          <pc:sldMk cId="3280354511" sldId="273"/>
+          <pc:sldMk cId="244327251" sldId="272"/>
         </pc:sldMkLst>
+        <pc:picChg chg="mod">
+          <ac:chgData name="Richard Wheeless" userId="S::id63la41@ubalt.edu::edf7d7f9-5d95-4eec-886d-0f745236a21b" providerId="AD" clId="Web-{1145B16C-5E93-681B-B9BA-C7C9CDE20735}" dt="2020-10-22T20:25:25.022" v="9" actId="1076"/>
+          <ac:picMkLst>
+            <pc:docMk/>
+            <pc:sldMk cId="244327251" sldId="272"/>
+            <ac:picMk id="4" creationId="{00000000-0000-0000-0000-000000000000}"/>
+          </ac:picMkLst>
+        </pc:picChg>
       </pc:sldChg>
     </pc:docChg>
   </pc:docChgLst>
@@ -337,7 +380,7 @@
           <a:p>
             <a:fld id="{EE41F6E3-57F9-402E-BDBA-5B2DE11C8530}" type="datetimeFigureOut">
               <a:rPr lang="en-US" smtClean="0"/>
-              <a:t>12/23/2020</a:t>
+              <a:t>1/29/2021</a:t>
             </a:fld>
             <a:endParaRPr lang="en-US"/>
           </a:p>
@@ -649,10 +692,9 @@
           <a:lstStyle/>
           <a:p>
             <a:r>
-              <a:rPr lang="en-US" dirty="0" smtClean="0"/>
+              <a:rPr lang="en-US" dirty="0"/>
               <a:t>http://xmlstar.sourceforge.net/doc/UG/</a:t>
             </a:r>
-            <a:endParaRPr lang="en-US" dirty="0"/>
           </a:p>
         </p:txBody>
       </p:sp>
@@ -737,52 +779,52 @@
           <a:lstStyle/>
           <a:p>
             <a:r>
-              <a:rPr lang="en-US" dirty="0" err="1" smtClean="0"/>
+              <a:rPr lang="en-US" dirty="0" err="1"/>
               <a:t>hivexsh</a:t>
             </a:r>
             <a:r>
-              <a:rPr lang="en-US" dirty="0" smtClean="0"/>
+              <a:rPr lang="en-US" dirty="0"/>
               <a:t> NTUSER_informant.DAT</a:t>
             </a:r>
           </a:p>
           <a:p>
             <a:r>
-              <a:rPr lang="en-US" dirty="0" smtClean="0"/>
+              <a:rPr lang="en-US" dirty="0"/>
               <a:t>cd Software\Microsoft\Office\15.0\Excel\File MRU</a:t>
             </a:r>
           </a:p>
           <a:p>
             <a:r>
-              <a:rPr lang="en-US" dirty="0" err="1" smtClean="0"/>
+              <a:rPr lang="en-US" dirty="0" err="1"/>
               <a:t>lsval</a:t>
             </a:r>
-            <a:endParaRPr lang="en-US" dirty="0" smtClean="0"/>
-          </a:p>
-          <a:p>
-            <a:r>
-              <a:rPr lang="en-US" dirty="0" smtClean="0"/>
+            <a:endParaRPr lang="en-US" dirty="0"/>
+          </a:p>
+          <a:p>
+            <a:r>
+              <a:rPr lang="en-US" dirty="0"/>
               <a:t>"Item 1"="[F00000000][T01D065A7B4C94EE2][O00000000]*\\\\10.11.11.128\\</a:t>
             </a:r>
             <a:r>
-              <a:rPr lang="en-US" dirty="0" err="1" smtClean="0"/>
+              <a:rPr lang="en-US" dirty="0" err="1"/>
               <a:t>secured_drive</a:t>
             </a:r>
             <a:r>
-              <a:rPr lang="en-US" dirty="0" smtClean="0"/>
+              <a:rPr lang="en-US" dirty="0"/>
               <a:t>\\Secret Project Data\\pricing decision\\(</a:t>
             </a:r>
             <a:r>
-              <a:rPr lang="en-US" dirty="0" err="1" smtClean="0"/>
+              <a:rPr lang="en-US" dirty="0" err="1"/>
               <a:t>secret_project</a:t>
             </a:r>
             <a:r>
-              <a:rPr lang="en-US" dirty="0" smtClean="0"/>
+              <a:rPr lang="en-US" dirty="0"/>
               <a:t>)_pricing_decision.xlsx“</a:t>
             </a:r>
           </a:p>
           <a:p>
             <a:r>
-              <a:rPr lang="en-US" dirty="0" smtClean="0"/>
+              <a:rPr lang="en-US" dirty="0"/>
               <a:t>https://www.taksati.org/mru/</a:t>
             </a:r>
           </a:p>
@@ -869,13 +911,13 @@
           <a:lstStyle/>
           <a:p>
             <a:r>
-              <a:rPr lang="en-US" dirty="0" smtClean="0"/>
+              <a:rPr lang="en-US" dirty="0"/>
               <a:t>https://www.dmares.com/maresware/html/dateconv.htm</a:t>
             </a:r>
           </a:p>
           <a:p>
             <a:r>
-              <a:rPr lang="en-US" dirty="0" smtClean="0"/>
+              <a:rPr lang="en-US" dirty="0"/>
               <a:t>https://www.silisoftware.com/tools/date.php?inputdate=130716160160780002&amp;inputformat=filetime</a:t>
             </a:r>
           </a:p>
@@ -962,16 +1004,15 @@
           <a:lstStyle/>
           <a:p>
             <a:r>
-              <a:rPr lang="en-US" dirty="0" smtClean="0"/>
+              <a:rPr lang="en-US" dirty="0"/>
               <a:t>https://github.com/digitalsleuth/time_decode</a:t>
             </a:r>
           </a:p>
           <a:p>
             <a:r>
-              <a:rPr lang="en-US" dirty="0" smtClean="0"/>
+              <a:rPr lang="en-US" dirty="0"/>
               <a:t>https://dfdatetime.readthedocs.io/en/latest/index.html</a:t>
             </a:r>
-            <a:endParaRPr lang="en-US" dirty="0"/>
           </a:p>
         </p:txBody>
       </p:sp>
@@ -1056,28 +1097,28 @@
           <a:lstStyle/>
           <a:p>
             <a:r>
-              <a:rPr lang="en-US" dirty="0" smtClean="0"/>
+              <a:rPr lang="en-US" dirty="0"/>
               <a:t>find /media/root/C8CA0C8DCA0C7A48/Program\ Files\ \(x86\)/  -</a:t>
             </a:r>
             <a:r>
-              <a:rPr lang="en-US" dirty="0" err="1" smtClean="0"/>
+              <a:rPr lang="en-US" dirty="0" err="1"/>
               <a:t>regextype</a:t>
             </a:r>
             <a:r>
-              <a:rPr lang="en-US" dirty="0" smtClean="0"/>
+              <a:rPr lang="en-US" dirty="0"/>
               <a:t> grep  -regex  ".*google.*“</a:t>
             </a:r>
           </a:p>
           <a:p>
-            <a:endParaRPr lang="en-US" dirty="0" smtClean="0"/>
-          </a:p>
-          <a:p>
-            <a:r>
-              <a:rPr lang="en-US" dirty="0" smtClean="0"/>
+            <a:endParaRPr lang="en-US" dirty="0"/>
+          </a:p>
+          <a:p>
+            <a:r>
+              <a:rPr lang="en-US" dirty="0"/>
               <a:t>Review: </a:t>
             </a:r>
             <a:r>
-              <a:rPr lang="en-US" sz="1200" b="0" i="0" kern="1200" dirty="0" smtClean="0">
+              <a:rPr lang="en-US" sz="1200" b="0" i="0" kern="1200" dirty="0">
                 <a:solidFill>
                   <a:schemeClr val="tx1"/>
                 </a:solidFill>
@@ -1091,12 +1132,12 @@
           </a:p>
           <a:p>
             <a:r>
-              <a:rPr lang="en-US" dirty="0" smtClean="0"/>
+              <a:rPr lang="en-US" dirty="0"/>
               <a:t>https://www.linode.com/docs/guides/find-files-in-linux-using-the-command-line/</a:t>
             </a:r>
           </a:p>
           <a:p>
-            <a:endParaRPr lang="en-US" dirty="0" smtClean="0"/>
+            <a:endParaRPr lang="en-US" dirty="0"/>
           </a:p>
           <a:p>
             <a:endParaRPr lang="en-US" dirty="0"/>
@@ -1184,50 +1225,50 @@
           <a:lstStyle/>
           <a:p>
             <a:r>
-              <a:rPr lang="en-US" dirty="0" smtClean="0"/>
+              <a:rPr lang="en-US" dirty="0"/>
               <a:t>rip.pl -r SOFTWARE -p installer | grep -</a:t>
             </a:r>
             <a:r>
-              <a:rPr lang="en-US" dirty="0" err="1" smtClean="0"/>
+              <a:rPr lang="en-US" dirty="0" err="1"/>
               <a:t>Ei</a:t>
             </a:r>
             <a:r>
-              <a:rPr lang="en-US" dirty="0" smtClean="0"/>
+              <a:rPr lang="en-US" dirty="0"/>
               <a:t> "</a:t>
             </a:r>
             <a:r>
-              <a:rPr lang="en-US" dirty="0" err="1" smtClean="0"/>
+              <a:rPr lang="en-US" dirty="0" err="1"/>
               <a:t>google|amazon|cloud|amazon</a:t>
             </a:r>
             <a:r>
-              <a:rPr lang="en-US" dirty="0" smtClean="0"/>
+              <a:rPr lang="en-US" dirty="0"/>
               <a:t>“</a:t>
             </a:r>
           </a:p>
           <a:p>
             <a:r>
-              <a:rPr lang="en-US" dirty="0" smtClean="0"/>
+              <a:rPr lang="en-US" dirty="0"/>
               <a:t>rip.pl -r SOFTWARE -p uninstall | grep -</a:t>
             </a:r>
             <a:r>
-              <a:rPr lang="en-US" dirty="0" err="1" smtClean="0"/>
+              <a:rPr lang="en-US" dirty="0" err="1"/>
               <a:t>Ei</a:t>
             </a:r>
             <a:r>
-              <a:rPr lang="en-US" dirty="0" smtClean="0"/>
+              <a:rPr lang="en-US" dirty="0"/>
               <a:t> "</a:t>
             </a:r>
             <a:r>
-              <a:rPr lang="en-US" dirty="0" err="1" smtClean="0"/>
+              <a:rPr lang="en-US" dirty="0" err="1"/>
               <a:t>google|amazon|cloud|amazon</a:t>
             </a:r>
             <a:r>
-              <a:rPr lang="en-US" dirty="0" smtClean="0"/>
+              <a:rPr lang="en-US" dirty="0"/>
               <a:t>"</a:t>
             </a:r>
           </a:p>
           <a:p>
-            <a:endParaRPr lang="en-US" dirty="0" smtClean="0"/>
+            <a:endParaRPr lang="en-US" dirty="0"/>
           </a:p>
           <a:p>
             <a:endParaRPr lang="en-US" dirty="0"/>
@@ -1315,10 +1356,9 @@
           <a:lstStyle/>
           <a:p>
             <a:r>
-              <a:rPr lang="en-US" dirty="0" smtClean="0"/>
+              <a:rPr lang="en-US" dirty="0"/>
               <a:t>https://www.ghacks.net/2016/06/04/windows-automatic-startup-locations/</a:t>
             </a:r>
-            <a:endParaRPr lang="en-US" dirty="0"/>
           </a:p>
         </p:txBody>
       </p:sp>
@@ -1403,10 +1443,9 @@
           <a:lstStyle/>
           <a:p>
             <a:r>
-              <a:rPr lang="en-US" dirty="0" smtClean="0"/>
+              <a:rPr lang="en-US" dirty="0"/>
               <a:t>https://dpmforensics.com/2018/01/03/500-words-or-less-getting-more-from-google-accounts/</a:t>
             </a:r>
-            <a:endParaRPr lang="en-US" dirty="0"/>
           </a:p>
         </p:txBody>
       </p:sp>
@@ -1491,47 +1530,47 @@
           <a:lstStyle/>
           <a:p>
             <a:r>
-              <a:rPr lang="en-US" dirty="0" smtClean="0"/>
+              <a:rPr lang="en-US" dirty="0"/>
               <a:t>grep -</a:t>
             </a:r>
             <a:r>
-              <a:rPr lang="en-US" dirty="0" err="1" smtClean="0"/>
+              <a:rPr lang="en-US" dirty="0" err="1"/>
               <a:t>Ei</a:t>
             </a:r>
             <a:r>
-              <a:rPr lang="en-US" dirty="0" smtClean="0"/>
+              <a:rPr lang="en-US" dirty="0"/>
               <a:t> "Received event </a:t>
             </a:r>
             <a:r>
-              <a:rPr lang="en-US" dirty="0" err="1" smtClean="0"/>
+              <a:rPr lang="en-US" dirty="0" err="1"/>
               <a:t>RawEvent</a:t>
             </a:r>
             <a:r>
-              <a:rPr lang="en-US" dirty="0" smtClean="0"/>
+              <a:rPr lang="en-US" dirty="0"/>
               <a:t>\((</a:t>
             </a:r>
             <a:r>
-              <a:rPr lang="en-US" dirty="0" err="1" smtClean="0"/>
+              <a:rPr lang="en-US" dirty="0" err="1"/>
               <a:t>delete|create</a:t>
             </a:r>
             <a:r>
-              <a:rPr lang="en-US" dirty="0" smtClean="0"/>
+              <a:rPr lang="en-US" dirty="0"/>
               <a:t>)"  /media/root/C8CA0C8DCA0C7A48/Users/informant/</a:t>
             </a:r>
             <a:r>
-              <a:rPr lang="en-US" dirty="0" err="1" smtClean="0"/>
+              <a:rPr lang="en-US" dirty="0" err="1"/>
               <a:t>AppData</a:t>
             </a:r>
             <a:r>
-              <a:rPr lang="en-US" dirty="0" smtClean="0"/>
+              <a:rPr lang="en-US" dirty="0"/>
               <a:t>/Local/Google/Drive/</a:t>
             </a:r>
             <a:r>
-              <a:rPr lang="en-US" dirty="0" err="1" smtClean="0"/>
+              <a:rPr lang="en-US" dirty="0" err="1"/>
               <a:t>user_default</a:t>
             </a:r>
             <a:r>
-              <a:rPr lang="en-US" dirty="0" smtClean="0"/>
+              <a:rPr lang="en-US" dirty="0"/>
               <a:t>/sync_log.log  --color</a:t>
             </a:r>
           </a:p>
@@ -1621,44 +1660,44 @@
           <a:lstStyle/>
           <a:p>
             <a:r>
-              <a:rPr lang="en-US" dirty="0" smtClean="0"/>
+              <a:rPr lang="en-US" dirty="0"/>
               <a:t>grep -P "\b[\w._%+]+@[\w.]+\.[a-</a:t>
             </a:r>
             <a:r>
-              <a:rPr lang="en-US" dirty="0" err="1" smtClean="0"/>
+              <a:rPr lang="en-US" dirty="0" err="1"/>
               <a:t>zA</a:t>
             </a:r>
             <a:r>
-              <a:rPr lang="en-US" dirty="0" smtClean="0"/>
+              <a:rPr lang="en-US" dirty="0"/>
               <a:t>-Z]{2,4}\b"  /media/root/C8CA0C8DCA0C7A48/Users/informant/</a:t>
             </a:r>
             <a:r>
-              <a:rPr lang="en-US" dirty="0" err="1" smtClean="0"/>
+              <a:rPr lang="en-US" dirty="0" err="1"/>
               <a:t>AppData</a:t>
             </a:r>
             <a:r>
-              <a:rPr lang="en-US" dirty="0" smtClean="0"/>
+              <a:rPr lang="en-US" dirty="0"/>
               <a:t>/Local/Google/Drive/</a:t>
             </a:r>
             <a:r>
-              <a:rPr lang="en-US" dirty="0" err="1" smtClean="0"/>
+              <a:rPr lang="en-US" dirty="0" err="1"/>
               <a:t>user_default</a:t>
             </a:r>
             <a:r>
-              <a:rPr lang="en-US" dirty="0" smtClean="0"/>
+              <a:rPr lang="en-US" dirty="0"/>
               <a:t>/sync_log.log  --color</a:t>
             </a:r>
           </a:p>
           <a:p>
-            <a:endParaRPr lang="en-US" dirty="0" smtClean="0"/>
-          </a:p>
-          <a:p>
-            <a:r>
-              <a:rPr lang="en-US" dirty="0" smtClean="0"/>
+            <a:endParaRPr lang="en-US" dirty="0"/>
+          </a:p>
+          <a:p>
+            <a:r>
+              <a:rPr lang="en-US" dirty="0"/>
               <a:t>\w: </a:t>
             </a:r>
             <a:r>
-              <a:rPr lang="en-US" smtClean="0"/>
+              <a:rPr lang="en-US"/>
               <a:t>[a-zA-Z0-9_]</a:t>
             </a:r>
             <a:endParaRPr lang="en-US" dirty="0"/>
@@ -1746,18 +1785,17 @@
           <a:lstStyle/>
           <a:p>
             <a:r>
-              <a:rPr lang="en-US" dirty="0" smtClean="0"/>
+              <a:rPr lang="en-US" dirty="0"/>
               <a:t>rip.pl -r UsrClass_informat.dat  -p </a:t>
             </a:r>
             <a:r>
-              <a:rPr lang="en-US" dirty="0" err="1" smtClean="0"/>
+              <a:rPr lang="en-US" dirty="0" err="1"/>
               <a:t>shellbags</a:t>
             </a:r>
             <a:r>
-              <a:rPr lang="en-US" dirty="0" smtClean="0"/>
+              <a:rPr lang="en-US" dirty="0"/>
               <a:t> | grep 10.11.11.128</a:t>
             </a:r>
-            <a:endParaRPr lang="en-US" dirty="0"/>
           </a:p>
         </p:txBody>
       </p:sp>
@@ -1842,18 +1880,17 @@
           <a:lstStyle/>
           <a:p>
             <a:r>
-              <a:rPr lang="en-US" dirty="0" smtClean="0"/>
+              <a:rPr lang="en-US" dirty="0"/>
               <a:t>rip.pl -r UsrClass_informat.dat -p </a:t>
             </a:r>
             <a:r>
-              <a:rPr lang="en-US" dirty="0" err="1" smtClean="0"/>
+              <a:rPr lang="en-US" dirty="0" err="1"/>
               <a:t>shellbags</a:t>
             </a:r>
             <a:r>
-              <a:rPr lang="en-US" dirty="0" smtClean="0"/>
+              <a:rPr lang="en-US" dirty="0"/>
               <a:t> | grep "10.11.11.128"</a:t>
             </a:r>
-            <a:endParaRPr lang="en-US" dirty="0"/>
           </a:p>
         </p:txBody>
       </p:sp>
@@ -1938,40 +1975,39 @@
           <a:lstStyle/>
           <a:p>
             <a:r>
-              <a:rPr lang="en-US" dirty="0" err="1" smtClean="0"/>
+              <a:rPr lang="en-US" dirty="0" err="1"/>
               <a:t>awk</a:t>
             </a:r>
             <a:r>
-              <a:rPr lang="en-US" dirty="0" smtClean="0"/>
+              <a:rPr lang="en-US" dirty="0"/>
               <a:t> '{print NR,"|", $6, "|", $15}' FS=',' </a:t>
             </a:r>
             <a:r>
-              <a:rPr lang="en-US" dirty="0" err="1" smtClean="0"/>
+              <a:rPr lang="en-US" dirty="0" err="1"/>
               <a:t>AutomaticDestinations</a:t>
             </a:r>
             <a:r>
-              <a:rPr lang="en-US" dirty="0" smtClean="0"/>
+              <a:rPr lang="en-US" dirty="0"/>
               <a:t>/20201126160358_AutomaticDestinations.csv | grep "10.11.11.128" --color</a:t>
             </a:r>
           </a:p>
           <a:p>
             <a:r>
-              <a:rPr lang="en-US" dirty="0" err="1" smtClean="0"/>
+              <a:rPr lang="en-US" dirty="0" err="1"/>
               <a:t>awk</a:t>
             </a:r>
             <a:r>
-              <a:rPr lang="en-US" dirty="0" smtClean="0"/>
+              <a:rPr lang="en-US" dirty="0"/>
               <a:t> '{print NR,"|", $6, "|", $15}' FS=',' </a:t>
             </a:r>
             <a:r>
-              <a:rPr lang="en-US" dirty="0" err="1" smtClean="0"/>
+              <a:rPr lang="en-US" dirty="0" err="1"/>
               <a:t>AutomaticDestinations</a:t>
             </a:r>
             <a:r>
-              <a:rPr lang="en-US" dirty="0" smtClean="0"/>
+              <a:rPr lang="en-US" dirty="0"/>
               <a:t>/20201126160358_AutomaticDestinations.csv | grep "V:" --color</a:t>
             </a:r>
-            <a:endParaRPr lang="en-US" dirty="0"/>
           </a:p>
         </p:txBody>
       </p:sp>
@@ -2056,29 +2092,29 @@
           <a:lstStyle/>
           <a:p>
             <a:r>
-              <a:rPr lang="en-US" dirty="0" smtClean="0"/>
+              <a:rPr lang="en-US" dirty="0"/>
               <a:t>ls /media/root/C8CA0C8DCA0C7A48/Users/informant/</a:t>
             </a:r>
             <a:r>
-              <a:rPr lang="en-US" dirty="0" err="1" smtClean="0"/>
+              <a:rPr lang="en-US" dirty="0" err="1"/>
               <a:t>AppData</a:t>
             </a:r>
             <a:r>
-              <a:rPr lang="en-US" dirty="0" smtClean="0"/>
+              <a:rPr lang="en-US" dirty="0"/>
               <a:t>/Roaming/Microsoft/Windows/Recent/</a:t>
             </a:r>
           </a:p>
           <a:p>
             <a:r>
-              <a:rPr lang="en-US" dirty="0" smtClean="0"/>
+              <a:rPr lang="en-US" dirty="0"/>
               <a:t>ls /media/root/C8CA0C8DCA0C7A48/Users/informant/</a:t>
             </a:r>
             <a:r>
-              <a:rPr lang="en-US" dirty="0" err="1" smtClean="0"/>
+              <a:rPr lang="en-US" dirty="0" err="1"/>
               <a:t>AppData</a:t>
             </a:r>
             <a:r>
-              <a:rPr lang="en-US" dirty="0" smtClean="0"/>
+              <a:rPr lang="en-US" dirty="0"/>
               <a:t>/Roaming/Microsoft/Office/Recent/</a:t>
             </a:r>
           </a:p>
@@ -2168,40 +2204,40 @@
           <a:lstStyle/>
           <a:p>
             <a:r>
-              <a:rPr lang="en-US" dirty="0" err="1" smtClean="0"/>
+              <a:rPr lang="en-US" dirty="0" err="1"/>
               <a:t>xxd</a:t>
             </a:r>
             <a:r>
-              <a:rPr lang="en-US" dirty="0" smtClean="0"/>
+              <a:rPr lang="en-US" dirty="0"/>
               <a:t>  /media/root/C8CA0C8DCA0C7A48/Users/informant/</a:t>
             </a:r>
             <a:r>
-              <a:rPr lang="en-US" dirty="0" err="1" smtClean="0"/>
+              <a:rPr lang="en-US" dirty="0" err="1"/>
               <a:t>AppData</a:t>
             </a:r>
             <a:r>
-              <a:rPr lang="en-US" dirty="0" smtClean="0"/>
+              <a:rPr lang="en-US" dirty="0"/>
               <a:t>/Roaming/Microsoft/Office/Recent/'(</a:t>
             </a:r>
             <a:r>
-              <a:rPr lang="en-US" dirty="0" err="1" smtClean="0"/>
+              <a:rPr lang="en-US" dirty="0" err="1"/>
               <a:t>secret_project</a:t>
             </a:r>
             <a:r>
-              <a:rPr lang="en-US" dirty="0" smtClean="0"/>
+              <a:rPr lang="en-US" dirty="0"/>
               <a:t>)_</a:t>
             </a:r>
             <a:r>
-              <a:rPr lang="en-US" dirty="0" err="1" smtClean="0"/>
+              <a:rPr lang="en-US" dirty="0" err="1"/>
               <a:t>pricing_decision.xlsx.LNK</a:t>
             </a:r>
             <a:r>
-              <a:rPr lang="en-US" dirty="0" smtClean="0"/>
+              <a:rPr lang="en-US" dirty="0"/>
               <a:t>' | head -n 15</a:t>
             </a:r>
           </a:p>
           <a:p>
-            <a:endParaRPr lang="en-US" dirty="0" smtClean="0"/>
+            <a:endParaRPr lang="en-US" dirty="0"/>
           </a:p>
           <a:p>
             <a:endParaRPr lang="en-US" dirty="0"/>
@@ -2289,11 +2325,11 @@
           <a:lstStyle/>
           <a:p>
             <a:r>
-              <a:rPr lang="en-US" dirty="0" smtClean="0"/>
+              <a:rPr lang="en-US" dirty="0"/>
               <a:t>apt-get install </a:t>
             </a:r>
             <a:r>
-              <a:rPr lang="en-US" dirty="0" err="1" smtClean="0"/>
+              <a:rPr lang="en-US" dirty="0" err="1"/>
               <a:t>liblink-tuils</a:t>
             </a:r>
             <a:endParaRPr lang="en-US" dirty="0"/>
@@ -2381,32 +2417,32 @@
           <a:lstStyle/>
           <a:p>
             <a:r>
-              <a:rPr lang="en-US" dirty="0" err="1" smtClean="0"/>
+              <a:rPr lang="en-US" dirty="0" err="1"/>
               <a:t>lnkinfo</a:t>
             </a:r>
             <a:r>
-              <a:rPr lang="en-US" dirty="0" smtClean="0"/>
+              <a:rPr lang="en-US" dirty="0"/>
               <a:t> /media/root/C8CA0C8DCA0C7A48/Users/informant/</a:t>
             </a:r>
             <a:r>
-              <a:rPr lang="en-US" dirty="0" err="1" smtClean="0"/>
+              <a:rPr lang="en-US" dirty="0" err="1"/>
               <a:t>AppData</a:t>
             </a:r>
             <a:r>
-              <a:rPr lang="en-US" dirty="0" smtClean="0"/>
+              <a:rPr lang="en-US" dirty="0"/>
               <a:t>/Roaming/Microsoft/Windows/Recent/'pricing </a:t>
             </a:r>
             <a:r>
-              <a:rPr lang="en-US" dirty="0" err="1" smtClean="0"/>
+              <a:rPr lang="en-US" dirty="0" err="1"/>
               <a:t>decision.lnk</a:t>
             </a:r>
             <a:r>
-              <a:rPr lang="en-US" dirty="0" smtClean="0"/>
+              <a:rPr lang="en-US" dirty="0"/>
               <a:t>'</a:t>
             </a:r>
           </a:p>
           <a:p>
-            <a:endParaRPr lang="en-US" dirty="0" smtClean="0"/>
+            <a:endParaRPr lang="en-US" dirty="0"/>
           </a:p>
           <a:p>
             <a:endParaRPr lang="en-US" dirty="0"/>
@@ -2494,38 +2530,37 @@
           <a:lstStyle/>
           <a:p>
             <a:r>
-              <a:rPr lang="en-US" dirty="0" err="1" smtClean="0"/>
+              <a:rPr lang="en-US" dirty="0" err="1"/>
               <a:t>lnkinfo</a:t>
             </a:r>
             <a:r>
-              <a:rPr lang="en-US" dirty="0" smtClean="0"/>
+              <a:rPr lang="en-US" dirty="0"/>
               <a:t> /media/root/C8CA0C8DCA0C7A48/Users/informant/</a:t>
             </a:r>
             <a:r>
-              <a:rPr lang="en-US" dirty="0" err="1" smtClean="0"/>
+              <a:rPr lang="en-US" dirty="0" err="1"/>
               <a:t>AppData</a:t>
             </a:r>
             <a:r>
-              <a:rPr lang="en-US" dirty="0" smtClean="0"/>
+              <a:rPr lang="en-US" dirty="0"/>
               <a:t>/Roaming/Microsoft/Windows/Recent/'(</a:t>
             </a:r>
             <a:r>
-              <a:rPr lang="en-US" dirty="0" err="1" smtClean="0"/>
+              <a:rPr lang="en-US" dirty="0" err="1"/>
               <a:t>secret_project</a:t>
             </a:r>
             <a:r>
-              <a:rPr lang="en-US" dirty="0" smtClean="0"/>
+              <a:rPr lang="en-US" dirty="0"/>
               <a:t>)_</a:t>
             </a:r>
             <a:r>
-              <a:rPr lang="en-US" dirty="0" err="1" smtClean="0"/>
+              <a:rPr lang="en-US" dirty="0" err="1"/>
               <a:t>pricing_decision.xlsx.lnk</a:t>
             </a:r>
             <a:r>
-              <a:rPr lang="en-US" dirty="0" smtClean="0"/>
+              <a:rPr lang="en-US" dirty="0"/>
               <a:t>'</a:t>
             </a:r>
-            <a:endParaRPr lang="en-US" dirty="0"/>
           </a:p>
         </p:txBody>
       </p:sp>
@@ -2694,7 +2729,7 @@
           <a:p>
             <a:fld id="{4263717A-E3C1-4BED-ABE0-B7069385E023}" type="datetimeFigureOut">
               <a:rPr lang="en-US" smtClean="0"/>
-              <a:t>12/23/2020</a:t>
+              <a:t>1/29/2021</a:t>
             </a:fld>
             <a:endParaRPr lang="en-US"/>
           </a:p>
@@ -2867,7 +2902,7 @@
           <a:p>
             <a:fld id="{4263717A-E3C1-4BED-ABE0-B7069385E023}" type="datetimeFigureOut">
               <a:rPr lang="en-US" smtClean="0"/>
-              <a:t>12/23/2020</a:t>
+              <a:t>1/29/2021</a:t>
             </a:fld>
             <a:endParaRPr lang="en-US"/>
           </a:p>
@@ -3045,7 +3080,7 @@
           <a:p>
             <a:fld id="{4263717A-E3C1-4BED-ABE0-B7069385E023}" type="datetimeFigureOut">
               <a:rPr lang="en-US" smtClean="0"/>
-              <a:t>12/23/2020</a:t>
+              <a:t>1/29/2021</a:t>
             </a:fld>
             <a:endParaRPr lang="en-US"/>
           </a:p>
@@ -3213,7 +3248,7 @@
           <a:p>
             <a:fld id="{4263717A-E3C1-4BED-ABE0-B7069385E023}" type="datetimeFigureOut">
               <a:rPr lang="en-US" smtClean="0"/>
-              <a:t>12/23/2020</a:t>
+              <a:t>1/29/2021</a:t>
             </a:fld>
             <a:endParaRPr lang="en-US"/>
           </a:p>
@@ -3458,7 +3493,7 @@
           <a:p>
             <a:fld id="{4263717A-E3C1-4BED-ABE0-B7069385E023}" type="datetimeFigureOut">
               <a:rPr lang="en-US" smtClean="0"/>
-              <a:t>12/23/2020</a:t>
+              <a:t>1/29/2021</a:t>
             </a:fld>
             <a:endParaRPr lang="en-US"/>
           </a:p>
@@ -3687,7 +3722,7 @@
           <a:p>
             <a:fld id="{4263717A-E3C1-4BED-ABE0-B7069385E023}" type="datetimeFigureOut">
               <a:rPr lang="en-US" smtClean="0"/>
-              <a:t>12/23/2020</a:t>
+              <a:t>1/29/2021</a:t>
             </a:fld>
             <a:endParaRPr lang="en-US"/>
           </a:p>
@@ -4051,7 +4086,7 @@
           <a:p>
             <a:fld id="{4263717A-E3C1-4BED-ABE0-B7069385E023}" type="datetimeFigureOut">
               <a:rPr lang="en-US" smtClean="0"/>
-              <a:t>12/23/2020</a:t>
+              <a:t>1/29/2021</a:t>
             </a:fld>
             <a:endParaRPr lang="en-US"/>
           </a:p>
@@ -4168,7 +4203,7 @@
           <a:p>
             <a:fld id="{4263717A-E3C1-4BED-ABE0-B7069385E023}" type="datetimeFigureOut">
               <a:rPr lang="en-US" smtClean="0"/>
-              <a:t>12/23/2020</a:t>
+              <a:t>1/29/2021</a:t>
             </a:fld>
             <a:endParaRPr lang="en-US"/>
           </a:p>
@@ -4263,7 +4298,7 @@
           <a:p>
             <a:fld id="{4263717A-E3C1-4BED-ABE0-B7069385E023}" type="datetimeFigureOut">
               <a:rPr lang="en-US" smtClean="0"/>
-              <a:t>12/23/2020</a:t>
+              <a:t>1/29/2021</a:t>
             </a:fld>
             <a:endParaRPr lang="en-US"/>
           </a:p>
@@ -4538,7 +4573,7 @@
           <a:p>
             <a:fld id="{4263717A-E3C1-4BED-ABE0-B7069385E023}" type="datetimeFigureOut">
               <a:rPr lang="en-US" smtClean="0"/>
-              <a:t>12/23/2020</a:t>
+              <a:t>1/29/2021</a:t>
             </a:fld>
             <a:endParaRPr lang="en-US"/>
           </a:p>
@@ -4790,7 +4825,7 @@
           <a:p>
             <a:fld id="{4263717A-E3C1-4BED-ABE0-B7069385E023}" type="datetimeFigureOut">
               <a:rPr lang="en-US" smtClean="0"/>
-              <a:t>12/23/2020</a:t>
+              <a:t>1/29/2021</a:t>
             </a:fld>
             <a:endParaRPr lang="en-US"/>
           </a:p>
@@ -5001,7 +5036,7 @@
           <a:p>
             <a:fld id="{4263717A-E3C1-4BED-ABE0-B7069385E023}" type="datetimeFigureOut">
               <a:rPr lang="en-US" smtClean="0"/>
-              <a:t>12/23/2020</a:t>
+              <a:t>1/29/2021</a:t>
             </a:fld>
             <a:endParaRPr lang="en-US"/>
           </a:p>
@@ -5608,18 +5643,17 @@
           <a:lstStyle/>
           <a:p>
             <a:r>
-              <a:rPr lang="en-US" dirty="0" smtClean="0"/>
+              <a:rPr lang="en-US" dirty="0"/>
               <a:t>Keywords: Network drive, </a:t>
             </a:r>
             <a:r>
-              <a:rPr lang="en-US" dirty="0" err="1" smtClean="0"/>
+              <a:rPr lang="en-US" dirty="0" err="1"/>
               <a:t>ShellBag</a:t>
             </a:r>
             <a:r>
-              <a:rPr lang="en-US" dirty="0" smtClean="0"/>
+              <a:rPr lang="en-US" dirty="0"/>
               <a:t>, Jump list</a:t>
             </a:r>
-            <a:endParaRPr lang="en-US" dirty="0"/>
           </a:p>
           <a:p>
             <a:endParaRPr lang="en-US" dirty="0"/>
@@ -5700,10 +5734,9 @@
               <a:t> </a:t>
             </a:r>
             <a:r>
-              <a:rPr lang="en-US" dirty="0" smtClean="0"/>
+              <a:rPr lang="en-US" dirty="0"/>
               <a:t>files</a:t>
             </a:r>
-            <a:endParaRPr lang="en-US" dirty="0"/>
           </a:p>
         </p:txBody>
       </p:sp>
@@ -5736,7 +5769,7 @@
           <p:cNvPr id="5" name="TextBox 4">
             <a:extLst>
               <a:ext uri="{FF2B5EF4-FFF2-40B4-BE49-F238E27FC236}">
-                <a16:creationId xmlns:a16="http://schemas.microsoft.com/office/drawing/2014/main" xmlns="" id="{80E1E3A9-9DD6-4BA8-B96A-CC5C54737B07}"/>
+                <a16:creationId xmlns:a16="http://schemas.microsoft.com/office/drawing/2014/main" id="{80E1E3A9-9DD6-4BA8-B96A-CC5C54737B07}"/>
               </a:ext>
             </a:extLst>
           </p:cNvPr>
@@ -5763,14 +5796,10 @@
           <a:p>
             <a:r>
               <a:rPr lang="en-US" dirty="0"/>
-              <a:t>Install </a:t>
-            </a:r>
-            <a:r>
-              <a:rPr lang="en-US" dirty="0" smtClean="0"/>
-              <a:t>.</a:t>
-            </a:r>
-            <a:r>
-              <a:rPr lang="en-US" i="1" dirty="0" err="1" smtClean="0">
+              <a:t>Install .</a:t>
+            </a:r>
+            <a:r>
+              <a:rPr lang="en-US" i="1" dirty="0" err="1">
                 <a:solidFill>
                   <a:srgbClr val="7030A0"/>
                 </a:solidFill>
@@ -5778,10 +5807,9 @@
               <a:t>lnk</a:t>
             </a:r>
             <a:r>
-              <a:rPr lang="en-US" dirty="0" smtClean="0"/>
+              <a:rPr lang="en-US" dirty="0"/>
               <a:t> parser</a:t>
             </a:r>
-            <a:endParaRPr lang="en-US" dirty="0"/>
           </a:p>
         </p:txBody>
       </p:sp>
@@ -5814,7 +5842,7 @@
           <p:cNvPr id="7" name="TextBox 6">
             <a:extLst>
               <a:ext uri="{FF2B5EF4-FFF2-40B4-BE49-F238E27FC236}">
-                <a16:creationId xmlns:a16="http://schemas.microsoft.com/office/drawing/2014/main" xmlns="" id="{26D48FF6-9510-453F-AA9B-CC79FB9F33CC}"/>
+                <a16:creationId xmlns:a16="http://schemas.microsoft.com/office/drawing/2014/main" id="{26D48FF6-9510-453F-AA9B-CC79FB9F33CC}"/>
               </a:ext>
             </a:extLst>
           </p:cNvPr>
@@ -5905,7 +5933,7 @@
           <p:cNvPr id="4" name="TextBox 3">
             <a:extLst>
               <a:ext uri="{FF2B5EF4-FFF2-40B4-BE49-F238E27FC236}">
-                <a16:creationId xmlns:a16="http://schemas.microsoft.com/office/drawing/2014/main" xmlns="" id="{80E1E3A9-9DD6-4BA8-B96A-CC5C54737B07}"/>
+                <a16:creationId xmlns:a16="http://schemas.microsoft.com/office/drawing/2014/main" id="{80E1E3A9-9DD6-4BA8-B96A-CC5C54737B07}"/>
               </a:ext>
             </a:extLst>
           </p:cNvPr>
@@ -5931,19 +5959,11 @@
           <a:lstStyle/>
           <a:p>
             <a:r>
-              <a:rPr lang="en-US" dirty="0" smtClean="0"/>
-              <a:t>Parse a </a:t>
-            </a:r>
-            <a:r>
-              <a:rPr lang="en-US" dirty="0" smtClean="0"/>
-              <a:t>directory </a:t>
-            </a:r>
-            <a:r>
-              <a:rPr lang="en-US" dirty="0" smtClean="0"/>
-              <a:t>.</a:t>
-            </a:r>
-            <a:r>
-              <a:rPr lang="en-US" i="1" dirty="0" err="1" smtClean="0">
+              <a:rPr lang="en-US" dirty="0"/>
+              <a:t>Parse a directory .</a:t>
+            </a:r>
+            <a:r>
+              <a:rPr lang="en-US" i="1" dirty="0" err="1">
                 <a:solidFill>
                   <a:srgbClr val="7030A0"/>
                 </a:solidFill>
@@ -6013,7 +6033,7 @@
           <p:cNvPr id="4" name="TextBox 3">
             <a:extLst>
               <a:ext uri="{FF2B5EF4-FFF2-40B4-BE49-F238E27FC236}">
-                <a16:creationId xmlns:a16="http://schemas.microsoft.com/office/drawing/2014/main" xmlns="" id="{80E1E3A9-9DD6-4BA8-B96A-CC5C54737B07}"/>
+                <a16:creationId xmlns:a16="http://schemas.microsoft.com/office/drawing/2014/main" id="{80E1E3A9-9DD6-4BA8-B96A-CC5C54737B07}"/>
               </a:ext>
             </a:extLst>
           </p:cNvPr>
@@ -6039,11 +6059,11 @@
           <a:lstStyle/>
           <a:p>
             <a:r>
-              <a:rPr lang="en-US" dirty="0" smtClean="0"/>
+              <a:rPr lang="en-US" dirty="0"/>
               <a:t>Parse a file .</a:t>
             </a:r>
             <a:r>
-              <a:rPr lang="en-US" i="1" dirty="0" err="1" smtClean="0">
+              <a:rPr lang="en-US" i="1" dirty="0" err="1">
                 <a:solidFill>
                   <a:srgbClr val="7030A0"/>
                 </a:solidFill>
@@ -6100,7 +6120,7 @@
           <a:lstStyle/>
           <a:p>
             <a:r>
-              <a:rPr lang="en-US" dirty="0" smtClean="0">
+              <a:rPr lang="en-US" dirty="0">
                 <a:solidFill>
                   <a:srgbClr val="FF0000"/>
                 </a:solidFill>
@@ -6108,11 +6128,11 @@
               <a:t>28.</a:t>
             </a:r>
             <a:r>
-              <a:rPr lang="en-US" dirty="0" smtClean="0"/>
+              <a:rPr lang="en-US" dirty="0"/>
               <a:t>	List all files that were opened in the company’s network drive (similar to </a:t>
             </a:r>
             <a:r>
-              <a:rPr lang="en-US" dirty="0" smtClean="0">
+              <a:rPr lang="en-US" dirty="0">
                 <a:solidFill>
                   <a:srgbClr val="FF0000"/>
                 </a:solidFill>
@@ -6120,10 +6140,9 @@
               <a:t>27.</a:t>
             </a:r>
             <a:r>
-              <a:rPr lang="en-US" dirty="0" smtClean="0"/>
+              <a:rPr lang="en-US" dirty="0"/>
               <a:t>)</a:t>
             </a:r>
-            <a:endParaRPr lang="en-US" dirty="0"/>
           </a:p>
         </p:txBody>
       </p:sp>
@@ -6149,12 +6168,8 @@
           <a:lstStyle/>
           <a:p>
             <a:r>
-              <a:rPr lang="en-US" sz="2000" dirty="0" smtClean="0"/>
-              <a:t>- </a:t>
-            </a:r>
-            <a:r>
               <a:rPr lang="en-US" sz="2000" dirty="0"/>
-              <a:t>V: is mapped on \\10.11.11.128</a:t>
+              <a:t>- V: is mapped on \\10.11.11.128</a:t>
             </a:r>
           </a:p>
           <a:p>
@@ -6172,12 +6187,8 @@
           </a:p>
           <a:p>
             <a:r>
-              <a:rPr lang="en-US" sz="2000" dirty="0" smtClean="0"/>
-              <a:t>\</a:t>
-            </a:r>
-            <a:r>
               <a:rPr lang="en-US" sz="2000" dirty="0"/>
-              <a:t>User\informant\</a:t>
+              <a:t>\User\informant\</a:t>
             </a:r>
             <a:r>
               <a:rPr lang="en-US" sz="2000" dirty="0" err="1"/>
@@ -6207,10 +6218,10 @@
               <a:t>\Roaming\Microsoft\Office\Recent\*.</a:t>
             </a:r>
             <a:r>
-              <a:rPr lang="en-US" sz="2000" dirty="0" err="1" smtClean="0"/>
+              <a:rPr lang="en-US" sz="2000" dirty="0" err="1"/>
               <a:t>lnk</a:t>
             </a:r>
-            <a:endParaRPr lang="en-US" sz="2000" dirty="0" smtClean="0"/>
+            <a:endParaRPr lang="en-US" sz="2000" dirty="0"/>
           </a:p>
           <a:p>
             <a:endParaRPr lang="en-US" sz="2000" dirty="0"/>
@@ -6269,37 +6280,6 @@
             <a:endParaRPr lang="en-US" sz="2000" dirty="0"/>
           </a:p>
           <a:p>
-            <a:endParaRPr lang="en-US" sz="2400" dirty="0" smtClean="0">
-              <a:solidFill>
-                <a:schemeClr val="accent5"/>
-              </a:solidFill>
-            </a:endParaRPr>
-          </a:p>
-          <a:p>
-            <a:r>
-              <a:rPr lang="en-US" sz="2400" dirty="0" smtClean="0">
-                <a:solidFill>
-                  <a:schemeClr val="accent5"/>
-                </a:solidFill>
-              </a:rPr>
-              <a:t>Most </a:t>
-            </a:r>
-            <a:r>
-              <a:rPr lang="en-US" sz="2400" dirty="0">
-                <a:solidFill>
-                  <a:schemeClr val="accent5"/>
-                </a:solidFill>
-              </a:rPr>
-              <a:t>Recently </a:t>
-            </a:r>
-            <a:r>
-              <a:rPr lang="en-US" sz="2400" dirty="0" err="1" smtClean="0">
-                <a:solidFill>
-                  <a:schemeClr val="accent5"/>
-                </a:solidFill>
-              </a:rPr>
-              <a:t>Used.quit</a:t>
-            </a:r>
             <a:endParaRPr lang="en-US" sz="2400" dirty="0">
               <a:solidFill>
                 <a:schemeClr val="accent5"/>
@@ -6308,20 +6288,22 @@
           </a:p>
           <a:p>
             <a:r>
-              <a:rPr lang="en-US" sz="2000" dirty="0" smtClean="0">
+              <a:rPr lang="en-US" sz="2400" dirty="0">
+                <a:solidFill>
+                  <a:schemeClr val="accent5"/>
+                </a:solidFill>
+              </a:rPr>
+              <a:t>Most Recently Used</a:t>
+            </a:r>
+          </a:p>
+          <a:p>
+            <a:r>
+              <a:rPr lang="en-US" sz="2000" dirty="0">
                 <a:solidFill>
                   <a:srgbClr val="FF0000"/>
                 </a:solidFill>
               </a:rPr>
-              <a:t>HKU\informant\Software\Microsoft\Office\15.0\Excel\File </a:t>
-            </a:r>
-            <a:r>
-              <a:rPr lang="en-US" sz="2000" dirty="0">
-                <a:solidFill>
-                  <a:srgbClr val="FF0000"/>
-                </a:solidFill>
-              </a:rPr>
-              <a:t>MRU</a:t>
+              <a:t>HKU\informant\Software\Microsoft\Office\15.0\Excel\File MRU</a:t>
             </a:r>
           </a:p>
           <a:p>
@@ -6382,10 +6364,9 @@
           <a:lstStyle/>
           <a:p>
             <a:r>
-              <a:rPr lang="en-US" dirty="0" smtClean="0"/>
+              <a:rPr lang="en-US" dirty="0"/>
               <a:t>Check File MRU</a:t>
             </a:r>
-            <a:endParaRPr lang="en-US" dirty="0"/>
           </a:p>
         </p:txBody>
       </p:sp>
@@ -6460,13 +6441,8 @@
           <a:p>
             <a:r>
               <a:rPr lang="en-US" dirty="0"/>
-              <a:t>File </a:t>
-            </a:r>
-            <a:r>
-              <a:rPr lang="en-US" dirty="0" smtClean="0"/>
-              <a:t>MRU Format</a:t>
-            </a:r>
-            <a:endParaRPr lang="en-US" dirty="0"/>
+              <a:t>File MRU Format</a:t>
+            </a:r>
           </a:p>
         </p:txBody>
       </p:sp>
@@ -6492,7 +6468,7 @@
           <a:lstStyle/>
           <a:p>
             <a:r>
-              <a:rPr lang="en-US" dirty="0" smtClean="0"/>
+              <a:rPr lang="en-US" dirty="0"/>
               <a:t>[</a:t>
             </a:r>
             <a:r>
@@ -6528,16 +6504,24 @@
               <a:t>O00000000</a:t>
             </a:r>
             <a:r>
-              <a:rPr lang="en-US" dirty="0" smtClean="0"/>
+              <a:rPr lang="en-US" dirty="0"/>
               <a:t>] </a:t>
             </a:r>
             <a:r>
-              <a:rPr lang="en-US" dirty="0" smtClean="0">
+              <a:rPr lang="en-US" dirty="0">
                 <a:solidFill>
                   <a:schemeClr val="accent6"/>
                 </a:solidFill>
               </a:rPr>
-              <a:t>*\\\\</a:t>
+              <a:t>*\\\\10.11.11.128\\</a:t>
+            </a:r>
+            <a:r>
+              <a:rPr lang="en-US" dirty="0" err="1">
+                <a:solidFill>
+                  <a:schemeClr val="accent6"/>
+                </a:solidFill>
+              </a:rPr>
+              <a:t>secured_drive</a:t>
             </a:r>
             <a:r>
               <a:rPr lang="en-US" dirty="0">
@@ -6545,7 +6529,7 @@
                   <a:schemeClr val="accent6"/>
                 </a:solidFill>
               </a:rPr>
-              <a:t>10.11.11.128\\</a:t>
+              <a:t>\\Secret Project Data\\pricing decision\\(</a:t>
             </a:r>
             <a:r>
               <a:rPr lang="en-US" dirty="0" err="1">
@@ -6553,7 +6537,7 @@
                   <a:schemeClr val="accent6"/>
                 </a:solidFill>
               </a:rPr>
-              <a:t>secured_drive</a:t>
+              <a:t>secret_project</a:t>
             </a:r>
             <a:r>
               <a:rPr lang="en-US" dirty="0">
@@ -6561,29 +6545,12 @@
                   <a:schemeClr val="accent6"/>
                 </a:solidFill>
               </a:rPr>
-              <a:t>\\Secret Project Data\\pricing decision\\(</a:t>
-            </a:r>
-            <a:r>
-              <a:rPr lang="en-US" dirty="0" err="1">
-                <a:solidFill>
-                  <a:schemeClr val="accent6"/>
-                </a:solidFill>
-              </a:rPr>
-              <a:t>secret_project</a:t>
-            </a:r>
-            <a:r>
-              <a:rPr lang="en-US" dirty="0">
-                <a:solidFill>
-                  <a:schemeClr val="accent6"/>
-                </a:solidFill>
-              </a:rPr>
               <a:t>)_pricing_decision.xlsx</a:t>
             </a:r>
             <a:r>
-              <a:rPr lang="en-US" dirty="0" smtClean="0"/>
+              <a:rPr lang="en-US" dirty="0"/>
               <a:t>“</a:t>
             </a:r>
-            <a:endParaRPr lang="en-US" dirty="0"/>
           </a:p>
         </p:txBody>
       </p:sp>
@@ -6613,7 +6580,7 @@
               <a:buChar char="•"/>
             </a:pPr>
             <a:r>
-              <a:rPr lang="en-US" dirty="0" smtClean="0">
+              <a:rPr lang="en-US" dirty="0">
                 <a:solidFill>
                   <a:schemeClr val="accent5"/>
                 </a:solidFill>
@@ -6621,7 +6588,7 @@
               <a:t>F00000000: </a:t>
             </a:r>
             <a:r>
-              <a:rPr lang="en-US" dirty="0" smtClean="0"/>
+              <a:rPr lang="en-US" dirty="0"/>
               <a:t>marker</a:t>
             </a:r>
           </a:p>
@@ -6631,7 +6598,7 @@
               <a:buChar char="•"/>
             </a:pPr>
             <a:r>
-              <a:rPr lang="en-US" dirty="0" smtClean="0"/>
+              <a:rPr lang="en-US" dirty="0"/>
               <a:t>[</a:t>
             </a:r>
             <a:r>
@@ -6651,7 +6618,7 @@
               <a:t>datetime</a:t>
             </a:r>
             <a:r>
-              <a:rPr lang="en-US" dirty="0" smtClean="0"/>
+              <a:rPr lang="en-US" dirty="0"/>
               <a:t>&gt;]: &lt;</a:t>
             </a:r>
             <a:r>
@@ -6663,24 +6630,12 @@
               <a:t>&gt; is a hex string representing a win32 </a:t>
             </a:r>
             <a:r>
-              <a:rPr lang="en-US" u="sng" dirty="0" smtClean="0"/>
-              <a:t>FILETIME</a:t>
-            </a:r>
-            <a:r>
               <a:rPr lang="en-US" u="sng" dirty="0"/>
-              <a:t> </a:t>
-            </a:r>
-            <a:r>
-              <a:rPr lang="en-US" dirty="0" smtClean="0"/>
-              <a:t>(64 bits) </a:t>
-            </a:r>
-            <a:r>
-              <a:rPr lang="en-US" dirty="0"/>
-              <a:t>in big </a:t>
-            </a:r>
-            <a:r>
-              <a:rPr lang="en-US" dirty="0" smtClean="0"/>
-              <a:t>endian</a:t>
+              <a:t>FILETIME </a:t>
+            </a:r>
+            <a:r>
+              <a:rPr lang="en-US" dirty="0"/>
+              <a:t>(64 bits) in big endian</a:t>
             </a:r>
           </a:p>
           <a:p>
@@ -6697,7 +6652,7 @@
               <a:t>O00000000</a:t>
             </a:r>
             <a:r>
-              <a:rPr lang="en-US" dirty="0" smtClean="0"/>
+              <a:rPr lang="en-US" dirty="0"/>
               <a:t>: </a:t>
             </a:r>
           </a:p>
@@ -6715,12 +6670,8 @@
               <a:t>Last</a:t>
             </a:r>
             <a:r>
-              <a:rPr lang="en-US" dirty="0" smtClean="0"/>
-              <a:t>: an </a:t>
-            </a:r>
-            <a:r>
-              <a:rPr lang="en-US" dirty="0"/>
-              <a:t>ASCII string of a full path and file name.</a:t>
+              <a:rPr lang="en-US" dirty="0"/>
+              <a:t>: an ASCII string of a full path and file name.</a:t>
             </a:r>
           </a:p>
         </p:txBody>
@@ -6790,13 +6741,8 @@
           <a:p>
             <a:r>
               <a:rPr lang="en-US" dirty="0"/>
-              <a:t>x </a:t>
-            </a:r>
-            <a:r>
-              <a:rPr lang="en-US" dirty="0" smtClean="0"/>
-              <a:t>= 0x01234567</a:t>
-            </a:r>
-            <a:endParaRPr lang="en-US" dirty="0"/>
+              <a:t>x = 0x01234567</a:t>
+            </a:r>
           </a:p>
         </p:txBody>
       </p:sp>
@@ -6826,18 +6772,14 @@
               <a:t>Win32 </a:t>
             </a:r>
             <a:r>
-              <a:rPr lang="en-US" u="sng" dirty="0" smtClean="0">
+              <a:rPr lang="en-US" u="sng" dirty="0">
                 <a:hlinkClick r:id="rId4"/>
               </a:rPr>
               <a:t>FILETIME:  </a:t>
             </a:r>
             <a:r>
-              <a:rPr lang="en-US" dirty="0" smtClean="0"/>
-              <a:t>Contains </a:t>
-            </a:r>
-            <a:r>
-              <a:rPr lang="en-US" dirty="0"/>
-              <a:t>a 64-bit value representing the number of </a:t>
+              <a:rPr lang="en-US" dirty="0"/>
+              <a:t>Contains a 64-bit value representing the number of </a:t>
             </a:r>
             <a:r>
               <a:rPr lang="en-US" dirty="0">
@@ -6849,11 +6791,7 @@
             </a:r>
             <a:r>
               <a:rPr lang="en-US" dirty="0"/>
-              <a:t>intervals since January 1, 1601 00:00:00.0000000 </a:t>
-            </a:r>
-            <a:r>
-              <a:rPr lang="en-US" dirty="0" smtClean="0"/>
-              <a:t>UTC</a:t>
+              <a:t>intervals since January 1, 1601 00:00:00.0000000 UTC</a:t>
             </a:r>
           </a:p>
           <a:p>
@@ -6862,100 +6800,101 @@
           <a:p>
             <a:r>
               <a:rPr lang="en-US" dirty="0"/>
-              <a:t>0x01D065A7B4C94EE2= </a:t>
-            </a:r>
-            <a:r>
-              <a:rPr lang="en-US" dirty="0" smtClean="0"/>
-              <a:t>130716160160780002</a:t>
-            </a:r>
-          </a:p>
-          <a:p>
-            <a:r>
-              <a:rPr lang="en-US" dirty="0" smtClean="0"/>
+              <a:t>0x01D065A7B4C94EE2= 130716160160780002</a:t>
+            </a:r>
+          </a:p>
+          <a:p>
+            <a:r>
+              <a:rPr lang="en-US" dirty="0"/>
+              <a:t> 130716160160780002 * </a:t>
+            </a:r>
+            <a:r>
+              <a:rPr lang="en-US" dirty="0">
+                <a:solidFill>
+                  <a:srgbClr val="FF0000"/>
+                </a:solidFill>
+              </a:rPr>
+              <a:t>100-nanosecond</a:t>
+            </a:r>
+            <a:r>
+              <a:rPr lang="en-US" dirty="0"/>
+              <a:t> = 13071616016,078,000,2 </a:t>
+            </a:r>
+            <a:r>
+              <a:rPr lang="en-US" dirty="0">
+                <a:solidFill>
+                  <a:srgbClr val="FF0000"/>
+                </a:solidFill>
+              </a:rPr>
+              <a:t>00 nanosecond</a:t>
+            </a:r>
+            <a:r>
+              <a:rPr lang="en-US" dirty="0"/>
               <a:t> </a:t>
             </a:r>
-            <a:r>
-              <a:rPr lang="en-US" dirty="0"/>
-              <a:t>130716160160780002 </a:t>
-            </a:r>
-            <a:r>
-              <a:rPr lang="en-US" dirty="0" smtClean="0"/>
-              <a:t>* </a:t>
+          </a:p>
+          <a:p>
+            <a:r>
+              <a:rPr lang="en-US" dirty="0"/>
+              <a:t>=</a:t>
             </a:r>
             <a:r>
               <a:rPr lang="en-US" dirty="0">
                 <a:solidFill>
-                  <a:srgbClr val="FF0000"/>
-                </a:solidFill>
-              </a:rPr>
-              <a:t>100-nanosecond</a:t>
-            </a:r>
-            <a:r>
-              <a:rPr lang="en-US" dirty="0"/>
-              <a:t> </a:t>
-            </a:r>
-            <a:r>
-              <a:rPr lang="en-US" dirty="0" smtClean="0"/>
-              <a:t>= 13071616016,078,000,2 </a:t>
-            </a:r>
-            <a:r>
-              <a:rPr lang="en-US" dirty="0" smtClean="0">
-                <a:solidFill>
-                  <a:srgbClr val="FF0000"/>
-                </a:solidFill>
-              </a:rPr>
-              <a:t>00 </a:t>
+                  <a:schemeClr val="accent2"/>
+                </a:solidFill>
+              </a:rPr>
+              <a:t>13071616016</a:t>
+            </a:r>
+            <a:r>
+              <a:rPr lang="en-US" dirty="0"/>
+              <a:t>.078001022 </a:t>
             </a:r>
             <a:r>
               <a:rPr lang="en-US" dirty="0">
                 <a:solidFill>
-                  <a:srgbClr val="FF0000"/>
-                </a:solidFill>
-              </a:rPr>
-              <a:t>nanosecond</a:t>
-            </a:r>
-            <a:r>
-              <a:rPr lang="en-US" dirty="0"/>
-              <a:t> </a:t>
-            </a:r>
-            <a:endParaRPr lang="en-US" dirty="0" smtClean="0"/>
-          </a:p>
-          <a:p>
-            <a:r>
-              <a:rPr lang="en-US" dirty="0"/>
-              <a:t>=</a:t>
+                  <a:schemeClr val="accent6"/>
+                </a:solidFill>
+              </a:rPr>
+              <a:t>seconds</a:t>
+            </a:r>
+            <a:r>
+              <a:rPr lang="en-US" dirty="0"/>
+              <a:t> = 217860266 </a:t>
             </a:r>
             <a:r>
               <a:rPr lang="en-US" dirty="0">
                 <a:solidFill>
-                  <a:schemeClr val="accent2"/>
-                </a:solidFill>
-              </a:rPr>
-              <a:t>13071616016</a:t>
-            </a:r>
-            <a:r>
-              <a:rPr lang="en-US" dirty="0"/>
-              <a:t>.078001022 </a:t>
-            </a:r>
-            <a:r>
-              <a:rPr lang="en-US" dirty="0" smtClean="0">
-                <a:solidFill>
                   <a:schemeClr val="accent6"/>
                 </a:solidFill>
               </a:rPr>
-              <a:t>seconds</a:t>
-            </a:r>
-            <a:r>
-              <a:rPr lang="en-US" dirty="0" smtClean="0"/>
-              <a:t> </a:t>
-            </a:r>
-            <a:r>
-              <a:rPr lang="en-US" dirty="0"/>
+              <a:t>Minutes = </a:t>
+            </a:r>
+            <a:r>
+              <a:rPr lang="en-US" dirty="0"/>
+              <a:t>3631004</a:t>
+            </a:r>
+            <a:r>
+              <a:rPr lang="en-US" dirty="0">
+                <a:solidFill>
+                  <a:schemeClr val="accent6"/>
+                </a:solidFill>
+              </a:rPr>
+              <a:t> hours</a:t>
+            </a:r>
+          </a:p>
+          <a:p>
+            <a:r>
+              <a:rPr lang="en-US" dirty="0">
+                <a:solidFill>
+                  <a:schemeClr val="accent6"/>
+                </a:solidFill>
+              </a:rPr>
               <a:t>= </a:t>
             </a:r>
             <a:r>
-              <a:rPr lang="en-US" dirty="0" smtClean="0"/>
-              <a:t>217860266 </a:t>
+              <a:rPr lang="en-US" dirty="0"/>
+              <a:t>151291 </a:t>
             </a:r>
             <a:r>
               <a:rPr lang="en-US" dirty="0">
@@ -6963,33 +6902,35 @@
                   <a:schemeClr val="accent6"/>
                 </a:solidFill>
               </a:rPr>
-              <a:t>Minutes = </a:t>
-            </a:r>
-            <a:r>
-              <a:rPr lang="en-US" dirty="0"/>
-              <a:t>3631004</a:t>
-            </a:r>
-            <a:r>
-              <a:rPr lang="en-US" dirty="0" smtClean="0">
+              <a:t>days</a:t>
+            </a:r>
+            <a:r>
+              <a:rPr lang="en-US" dirty="0"/>
+              <a:t> 20 </a:t>
+            </a:r>
+            <a:r>
+              <a:rPr lang="en-US" dirty="0">
                 <a:solidFill>
                   <a:schemeClr val="accent6"/>
                 </a:solidFill>
               </a:rPr>
-              <a:t> hours</a:t>
-            </a:r>
-          </a:p>
-          <a:p>
-            <a:r>
-              <a:rPr lang="en-US" dirty="0" smtClean="0">
+              <a:t>hours</a:t>
+            </a:r>
+            <a:r>
+              <a:rPr lang="en-US" dirty="0"/>
+              <a:t> = 414 </a:t>
+            </a:r>
+            <a:r>
+              <a:rPr lang="en-US" dirty="0">
                 <a:solidFill>
                   <a:schemeClr val="accent6"/>
                 </a:solidFill>
               </a:rPr>
-              <a:t>= </a:t>
-            </a:r>
-            <a:r>
-              <a:rPr lang="en-US" dirty="0" smtClean="0"/>
-              <a:t>151291 </a:t>
+              <a:t>years</a:t>
+            </a:r>
+            <a:r>
+              <a:rPr lang="en-US" dirty="0"/>
+              <a:t> 84 </a:t>
             </a:r>
             <a:r>
               <a:rPr lang="en-US" dirty="0">
@@ -7000,7 +6941,7 @@
               <a:t>days</a:t>
             </a:r>
             <a:r>
-              <a:rPr lang="en-US" dirty="0" smtClean="0"/>
+              <a:rPr lang="en-US" dirty="0"/>
               <a:t> 20 </a:t>
             </a:r>
             <a:r>
@@ -7012,56 +6953,8 @@
               <a:t>hours</a:t>
             </a:r>
             <a:r>
-              <a:rPr lang="en-US" dirty="0" smtClean="0"/>
-              <a:t> = </a:t>
-            </a:r>
-            <a:r>
-              <a:rPr lang="en-US" dirty="0"/>
-              <a:t>414 </a:t>
-            </a:r>
-            <a:r>
-              <a:rPr lang="en-US" dirty="0">
-                <a:solidFill>
-                  <a:schemeClr val="accent6"/>
-                </a:solidFill>
-              </a:rPr>
-              <a:t>years</a:t>
-            </a:r>
-            <a:r>
-              <a:rPr lang="en-US" dirty="0" smtClean="0"/>
-              <a:t> 84 </a:t>
-            </a:r>
-            <a:r>
-              <a:rPr lang="en-US" dirty="0" smtClean="0">
-                <a:solidFill>
-                  <a:schemeClr val="accent6"/>
-                </a:solidFill>
-              </a:rPr>
-              <a:t>days</a:t>
-            </a:r>
-            <a:r>
-              <a:rPr lang="en-US" dirty="0" smtClean="0"/>
-              <a:t> </a:t>
-            </a:r>
-            <a:r>
-              <a:rPr lang="en-US" dirty="0"/>
-              <a:t>20 </a:t>
-            </a:r>
-            <a:r>
-              <a:rPr lang="en-US" dirty="0">
-                <a:solidFill>
-                  <a:schemeClr val="accent6"/>
-                </a:solidFill>
-              </a:rPr>
-              <a:t>hours</a:t>
-            </a:r>
-            <a:r>
-              <a:rPr lang="en-US" dirty="0"/>
-              <a:t> </a:t>
-            </a:r>
-            <a:r>
-              <a:rPr lang="en-US" dirty="0" smtClean="0"/>
-              <a:t>(note that leap year is 366 days)</a:t>
+              <a:rPr lang="en-US" dirty="0"/>
+              <a:t> (note that leap year is 366 days)</a:t>
             </a:r>
             <a:endParaRPr lang="en-US" dirty="0">
               <a:solidFill>
@@ -7141,11 +7034,11 @@
           <a:lstStyle/>
           <a:p>
             <a:r>
-              <a:rPr lang="en-US" dirty="0" smtClean="0"/>
+              <a:rPr lang="en-US" dirty="0"/>
               <a:t>Install </a:t>
             </a:r>
             <a:r>
-              <a:rPr lang="en-US" i="1" dirty="0" err="1" smtClean="0">
+              <a:rPr lang="en-US" i="1" dirty="0" err="1">
                 <a:solidFill>
                   <a:schemeClr val="accent6"/>
                 </a:solidFill>
@@ -7153,10 +7046,9 @@
               <a:t>time_decode</a:t>
             </a:r>
             <a:r>
-              <a:rPr lang="en-US" dirty="0" smtClean="0"/>
+              <a:rPr lang="en-US" dirty="0"/>
               <a:t> </a:t>
             </a:r>
-            <a:endParaRPr lang="en-US" dirty="0"/>
           </a:p>
         </p:txBody>
       </p:sp>
@@ -7314,7 +7206,7 @@
           <a:lstStyle/>
           <a:p>
             <a:r>
-              <a:rPr lang="en-US" sz="1600" dirty="0" smtClean="0">
+              <a:rPr lang="en-US" sz="1600" dirty="0">
                 <a:solidFill>
                   <a:srgbClr val="FF0000"/>
                 </a:solidFill>
@@ -7322,7 +7214,7 @@
               <a:t>--</a:t>
             </a:r>
             <a:r>
-              <a:rPr lang="en-US" sz="1600" dirty="0" err="1" smtClean="0">
+              <a:rPr lang="en-US" sz="1600" dirty="0" err="1">
                 <a:solidFill>
                   <a:srgbClr val="FF0000"/>
                 </a:solidFill>
@@ -7330,10 +7222,9 @@
               <a:t>wh</a:t>
             </a:r>
             <a:r>
-              <a:rPr lang="en-US" sz="1600" dirty="0" smtClean="0"/>
+              <a:rPr lang="en-US" sz="1600" dirty="0"/>
               <a:t>: Win Hex</a:t>
             </a:r>
-            <a:endParaRPr lang="en-US" sz="1600" dirty="0"/>
           </a:p>
         </p:txBody>
       </p:sp>
@@ -7383,7 +7274,7 @@
           <a:lstStyle/>
           <a:p>
             <a:r>
-              <a:rPr lang="en-US" dirty="0" smtClean="0">
+              <a:rPr lang="en-US" dirty="0">
                 <a:solidFill>
                   <a:srgbClr val="FF0000"/>
                 </a:solidFill>
@@ -7392,21 +7283,8 @@
             </a:r>
             <a:r>
               <a:rPr lang="en-US" dirty="0"/>
-              <a:t>	Find traces related to cloud services on PC </a:t>
-            </a:r>
-            <a:r>
-              <a:rPr lang="en-US" dirty="0" smtClean="0"/>
-              <a:t>(</a:t>
-            </a:r>
-            <a:r>
-              <a:rPr lang="en-US" dirty="0"/>
-              <a:t>Service name, log files</a:t>
-            </a:r>
-            <a:r>
-              <a:rPr lang="en-US" dirty="0" smtClean="0"/>
-              <a:t>...)</a:t>
-            </a:r>
-            <a:endParaRPr lang="en-US" dirty="0"/>
+              <a:t>	Find traces related to cloud services on PC (Service name, log files...)</a:t>
+            </a:r>
           </a:p>
         </p:txBody>
       </p:sp>
@@ -7428,7 +7306,7 @@
           <a:lstStyle/>
           <a:p>
             <a:r>
-              <a:rPr lang="en-US" dirty="0" smtClean="0"/>
+              <a:rPr lang="en-US" dirty="0"/>
               <a:t>Download directory</a:t>
             </a:r>
           </a:p>
@@ -7440,133 +7318,106 @@
                   <a:srgbClr val="7030A0"/>
                 </a:solidFill>
               </a:rPr>
+              <a:t>\User\informant\Downloads\icloudsetup.exe</a:t>
+            </a:r>
+          </a:p>
+          <a:p>
+            <a:pPr lvl="1"/>
+            <a:r>
+              <a:rPr lang="en-US" sz="2000" i="1" dirty="0">
+                <a:solidFill>
+                  <a:srgbClr val="7030A0"/>
+                </a:solidFill>
+              </a:rPr>
+              <a:t>\User\informant\Downloads\googledrivesync.exe</a:t>
+            </a:r>
+          </a:p>
+          <a:p>
+            <a:r>
+              <a:rPr lang="en-US" dirty="0"/>
+              <a:t>Installed directory</a:t>
+            </a:r>
+          </a:p>
+          <a:p>
+            <a:pPr lvl="1"/>
+            <a:r>
+              <a:rPr lang="en-US" sz="2000" i="1" dirty="0">
+                <a:solidFill>
+                  <a:srgbClr val="7030A0"/>
+                </a:solidFill>
+              </a:rPr>
+              <a:t>User\informant\</a:t>
+            </a:r>
+            <a:r>
+              <a:rPr lang="en-US" sz="2000" i="1" dirty="0" err="1">
+                <a:solidFill>
+                  <a:srgbClr val="7030A0"/>
+                </a:solidFill>
+              </a:rPr>
+              <a:t>AppData</a:t>
+            </a:r>
+            <a:r>
+              <a:rPr lang="en-US" sz="2000" i="1" dirty="0">
+                <a:solidFill>
+                  <a:srgbClr val="7030A0"/>
+                </a:solidFill>
+              </a:rPr>
+              <a:t>\Google\Drive\</a:t>
+            </a:r>
+            <a:r>
+              <a:rPr lang="en-US" sz="2000" i="1" dirty="0" err="1">
+                <a:solidFill>
+                  <a:srgbClr val="7030A0"/>
+                </a:solidFill>
+              </a:rPr>
+              <a:t>user_default</a:t>
+            </a:r>
+            <a:r>
+              <a:rPr lang="en-US" sz="2000" i="1" dirty="0">
+                <a:solidFill>
+                  <a:srgbClr val="7030A0"/>
+                </a:solidFill>
+              </a:rPr>
               <a:t>\</a:t>
             </a:r>
-            <a:r>
-              <a:rPr lang="en-US" sz="2000" i="1" dirty="0" smtClean="0">
-                <a:solidFill>
-                  <a:srgbClr val="7030A0"/>
-                </a:solidFill>
-              </a:rPr>
-              <a:t>User\informant\Downloads\icloudsetup.exe</a:t>
+          </a:p>
+          <a:p>
+            <a:r>
+              <a:rPr lang="en-US" dirty="0"/>
+              <a:t>Installation/Uninstall/Execution related Registry</a:t>
             </a:r>
           </a:p>
           <a:p>
             <a:pPr lvl="1"/>
             <a:r>
-              <a:rPr lang="en-US" sz="2000" i="1" dirty="0">
-                <a:solidFill>
-                  <a:srgbClr val="7030A0"/>
-                </a:solidFill>
-              </a:rPr>
-              <a:t>\User\informant\Downloads\googledrivesync.exe</a:t>
-            </a:r>
-            <a:endParaRPr lang="en-US" sz="2000" i="1" dirty="0" smtClean="0">
-              <a:solidFill>
-                <a:srgbClr val="7030A0"/>
-              </a:solidFill>
-            </a:endParaRPr>
-          </a:p>
-          <a:p>
-            <a:r>
-              <a:rPr lang="en-US" dirty="0" smtClean="0"/>
-              <a:t>Installed </a:t>
-            </a:r>
-            <a:r>
-              <a:rPr lang="en-US" dirty="0" smtClean="0"/>
-              <a:t>directory</a:t>
+              <a:rPr lang="en-US" dirty="0"/>
+              <a:t>Configuration</a:t>
             </a:r>
           </a:p>
           <a:p>
             <a:pPr lvl="1"/>
             <a:r>
-              <a:rPr lang="en-US" sz="2000" i="1" dirty="0">
-                <a:solidFill>
-                  <a:srgbClr val="7030A0"/>
-                </a:solidFill>
-              </a:rPr>
-              <a:t>User\informant\</a:t>
-            </a:r>
-            <a:r>
-              <a:rPr lang="en-US" sz="2000" i="1" dirty="0" err="1">
-                <a:solidFill>
-                  <a:srgbClr val="7030A0"/>
-                </a:solidFill>
-              </a:rPr>
-              <a:t>AppData</a:t>
-            </a:r>
-            <a:r>
-              <a:rPr lang="en-US" sz="2000" i="1" dirty="0">
-                <a:solidFill>
-                  <a:srgbClr val="7030A0"/>
-                </a:solidFill>
-              </a:rPr>
-              <a:t>\Google\Drive\</a:t>
-            </a:r>
-            <a:r>
-              <a:rPr lang="en-US" sz="2000" i="1" dirty="0" err="1">
-                <a:solidFill>
-                  <a:srgbClr val="7030A0"/>
-                </a:solidFill>
-              </a:rPr>
-              <a:t>user_default</a:t>
-            </a:r>
-            <a:r>
-              <a:rPr lang="en-US" sz="2000" i="1" dirty="0">
-                <a:solidFill>
-                  <a:srgbClr val="7030A0"/>
-                </a:solidFill>
-              </a:rPr>
-              <a:t>\</a:t>
-            </a:r>
-          </a:p>
-          <a:p>
-            <a:r>
-              <a:rPr lang="en-US" dirty="0" smtClean="0"/>
-              <a:t>Installation/Uninstall/Execution </a:t>
-            </a:r>
-            <a:r>
-              <a:rPr lang="en-US" dirty="0" smtClean="0"/>
-              <a:t>related Registry</a:t>
-            </a:r>
-            <a:endParaRPr lang="en-US" dirty="0" smtClean="0"/>
+              <a:rPr lang="en-US" dirty="0" err="1"/>
+              <a:t>Autoruns</a:t>
+            </a:r>
+            <a:endParaRPr lang="en-US" dirty="0"/>
           </a:p>
           <a:p>
             <a:pPr lvl="1"/>
             <a:r>
-              <a:rPr lang="en-US" dirty="0" smtClean="0"/>
-              <a:t>Configuration</a:t>
+              <a:rPr lang="en-US" dirty="0" err="1"/>
+              <a:t>UserAssist</a:t>
+            </a:r>
+            <a:r>
+              <a:rPr lang="en-US" dirty="0"/>
+              <a:t>, </a:t>
             </a:r>
           </a:p>
           <a:p>
             <a:pPr lvl="1"/>
             <a:r>
-              <a:rPr lang="en-US" dirty="0" err="1" smtClean="0"/>
-              <a:t>Autoruns</a:t>
-            </a:r>
-            <a:endParaRPr lang="en-US" dirty="0" smtClean="0"/>
-          </a:p>
-          <a:p>
-            <a:pPr lvl="1"/>
-            <a:r>
-              <a:rPr lang="en-US" dirty="0" err="1" smtClean="0"/>
-              <a:t>UserAssist</a:t>
-            </a:r>
-            <a:r>
-              <a:rPr lang="en-US" dirty="0"/>
-              <a:t>, </a:t>
-            </a:r>
-            <a:endParaRPr lang="en-US" dirty="0" smtClean="0"/>
-          </a:p>
-          <a:p>
-            <a:pPr lvl="1"/>
-            <a:r>
-              <a:rPr lang="en-US" dirty="0" smtClean="0"/>
-              <a:t>Classes</a:t>
-            </a:r>
-            <a:r>
-              <a:rPr lang="en-US" dirty="0" smtClean="0"/>
-              <a:t>…</a:t>
+              <a:rPr lang="en-US" dirty="0"/>
+              <a:t>Classes…</a:t>
             </a:r>
           </a:p>
           <a:p>
@@ -7623,7 +7474,7 @@
           <a:lstStyle/>
           <a:p>
             <a:r>
-              <a:rPr lang="en-US" dirty="0" smtClean="0">
+              <a:rPr lang="en-US" dirty="0">
                 <a:solidFill>
                   <a:srgbClr val="FF0000"/>
                 </a:solidFill>
@@ -7631,14 +7482,9 @@
               <a:t>29.1</a:t>
             </a:r>
             <a:r>
-              <a:rPr lang="en-US" dirty="0" smtClean="0"/>
-              <a:t> Search </a:t>
-            </a:r>
-            <a:r>
-              <a:rPr lang="en-US" dirty="0" smtClean="0"/>
-              <a:t>download folder</a:t>
-            </a:r>
-            <a:endParaRPr lang="en-US" dirty="0"/>
+              <a:rPr lang="en-US" dirty="0"/>
+              <a:t> Search download folder</a:t>
+            </a:r>
           </a:p>
         </p:txBody>
       </p:sp>
@@ -7671,7 +7517,7 @@
           <p:cNvPr id="6" name="TextBox 5">
             <a:extLst>
               <a:ext uri="{FF2B5EF4-FFF2-40B4-BE49-F238E27FC236}">
-                <a16:creationId xmlns:a16="http://schemas.microsoft.com/office/drawing/2014/main" xmlns="" id="{30DE6E35-3EC5-4401-BB58-9C55EEE7DE01}"/>
+                <a16:creationId xmlns:a16="http://schemas.microsoft.com/office/drawing/2014/main" id="{30DE6E35-3EC5-4401-BB58-9C55EEE7DE01}"/>
               </a:ext>
             </a:extLst>
           </p:cNvPr>
@@ -7749,7 +7595,7 @@
           <a:lstStyle/>
           <a:p>
             <a:r>
-              <a:rPr lang="en-US" dirty="0" smtClean="0">
+              <a:rPr lang="en-US" dirty="0">
                 <a:solidFill>
                   <a:srgbClr val="FF0000"/>
                 </a:solidFill>
@@ -7971,7 +7817,7 @@
           <a:lstStyle/>
           <a:p>
             <a:r>
-              <a:rPr lang="en-US" dirty="0" smtClean="0">
+              <a:rPr lang="en-US" dirty="0">
                 <a:solidFill>
                   <a:srgbClr val="FF0000"/>
                 </a:solidFill>
@@ -7979,14 +7825,9 @@
               <a:t>29.2 </a:t>
             </a:r>
             <a:r>
-              <a:rPr lang="en-US" dirty="0" smtClean="0"/>
-              <a:t>Search </a:t>
-            </a:r>
-            <a:r>
-              <a:rPr lang="en-US" dirty="0" smtClean="0"/>
-              <a:t>Installation directory</a:t>
-            </a:r>
-            <a:endParaRPr lang="en-US" dirty="0"/>
+              <a:rPr lang="en-US" dirty="0"/>
+              <a:t>Search Installation directory</a:t>
+            </a:r>
           </a:p>
         </p:txBody>
       </p:sp>
@@ -8019,7 +7860,7 @@
           <p:cNvPr id="4" name="TextBox 3">
             <a:extLst>
               <a:ext uri="{FF2B5EF4-FFF2-40B4-BE49-F238E27FC236}">
-                <a16:creationId xmlns:a16="http://schemas.microsoft.com/office/drawing/2014/main" xmlns="" id="{4F0E6FDD-F975-4F9C-9445-88EA3C75FB08}"/>
+                <a16:creationId xmlns:a16="http://schemas.microsoft.com/office/drawing/2014/main" id="{4F0E6FDD-F975-4F9C-9445-88EA3C75FB08}"/>
               </a:ext>
             </a:extLst>
           </p:cNvPr>
@@ -8045,15 +7886,11 @@
           <a:lstStyle/>
           <a:p>
             <a:r>
-              <a:rPr lang="en-US" dirty="0" smtClean="0"/>
-              <a:t>Find all file names contains the key words “google” using </a:t>
-            </a:r>
-            <a:r>
-              <a:rPr lang="en-US" dirty="0" smtClean="0"/>
-              <a:t>regex (practice a different method other than </a:t>
-            </a:r>
-            <a:r>
-              <a:rPr lang="en-US" i="1" dirty="0" err="1" smtClean="0">
+              <a:rPr lang="en-US" dirty="0"/>
+              <a:t>Find all file names contains the key words “google” using regex (practice a different method other than </a:t>
+            </a:r>
+            <a:r>
+              <a:rPr lang="en-US" i="1" dirty="0" err="1">
                 <a:solidFill>
                   <a:srgbClr val="7030A0"/>
                 </a:solidFill>
@@ -8061,10 +7898,9 @@
               <a:t>fls</a:t>
             </a:r>
             <a:r>
-              <a:rPr lang="en-US" dirty="0" smtClean="0"/>
+              <a:rPr lang="en-US" dirty="0"/>
               <a:t>)</a:t>
             </a:r>
-            <a:endParaRPr lang="en-US" dirty="0"/>
           </a:p>
         </p:txBody>
       </p:sp>
@@ -8108,7 +7944,7 @@
               <a:t>-</a:t>
             </a:r>
             <a:r>
-              <a:rPr lang="en-US" b="1" dirty="0" err="1" smtClean="0">
+              <a:rPr lang="en-US" b="1" dirty="0" err="1">
                 <a:solidFill>
                   <a:srgbClr val="FF0000"/>
                 </a:solidFill>
@@ -8116,7 +7952,7 @@
               <a:t>regextype</a:t>
             </a:r>
             <a:r>
-              <a:rPr lang="en-US" b="1" dirty="0" smtClean="0">
+              <a:rPr lang="en-US" b="1" dirty="0">
                 <a:solidFill>
                   <a:srgbClr val="FF0000"/>
                 </a:solidFill>
@@ -8232,7 +8068,7 @@
               <a:t>sed</a:t>
             </a:r>
             <a:r>
-              <a:rPr lang="en-US" dirty="0" smtClean="0"/>
+              <a:rPr lang="en-US" dirty="0"/>
               <a:t>’.</a:t>
             </a:r>
           </a:p>
@@ -8247,15 +8083,7 @@
                   <a:srgbClr val="FF0000"/>
                 </a:solidFill>
               </a:rPr>
-              <a:t>-</a:t>
-            </a:r>
-            <a:r>
-              <a:rPr lang="en-US" b="1" dirty="0" smtClean="0">
-                <a:solidFill>
-                  <a:srgbClr val="FF0000"/>
-                </a:solidFill>
-              </a:rPr>
-              <a:t>regex: </a:t>
+              <a:t>-regex: </a:t>
             </a:r>
             <a:r>
               <a:rPr lang="en-US" dirty="0"/>
@@ -8279,21 +8107,8 @@
                   <a:srgbClr val="7030A0"/>
                 </a:solidFill>
               </a:rPr>
-              <a:t>".*google</a:t>
-            </a:r>
-            <a:r>
-              <a:rPr lang="en-US" b="1" dirty="0" smtClean="0">
-                <a:solidFill>
-                  <a:srgbClr val="7030A0"/>
-                </a:solidFill>
-              </a:rPr>
-              <a:t>.*"</a:t>
-            </a:r>
-            <a:endParaRPr lang="en-US" b="1" dirty="0">
-              <a:solidFill>
-                <a:srgbClr val="7030A0"/>
-              </a:solidFill>
-            </a:endParaRPr>
+              <a:t>".*google.*"</a:t>
+            </a:r>
           </a:p>
         </p:txBody>
       </p:sp>
@@ -8343,7 +8158,7 @@
           <a:lstStyle/>
           <a:p>
             <a:r>
-              <a:rPr lang="en-US" dirty="0" smtClean="0">
+              <a:rPr lang="en-US" dirty="0">
                 <a:solidFill>
                   <a:srgbClr val="FF0000"/>
                 </a:solidFill>
@@ -8351,18 +8166,9 @@
               <a:t>29.3 </a:t>
             </a:r>
             <a:r>
-              <a:rPr lang="en-US" dirty="0" smtClean="0"/>
-              <a:t>Search Registry (installation/</a:t>
-            </a:r>
-            <a:r>
-              <a:rPr lang="en-US" dirty="0" err="1" smtClean="0"/>
-              <a:t>unstallation</a:t>
-            </a:r>
-            <a:r>
-              <a:rPr lang="en-US" dirty="0" smtClean="0"/>
-              <a:t>/execution)</a:t>
-            </a:r>
-            <a:endParaRPr lang="en-US" dirty="0"/>
+              <a:rPr lang="en-US" dirty="0"/>
+              <a:t>Search Registry (installation/uninstallation/execution)</a:t>
+            </a:r>
           </a:p>
         </p:txBody>
       </p:sp>
@@ -8469,10 +8275,9 @@
           <a:lstStyle/>
           <a:p>
             <a:r>
-              <a:rPr lang="en-US" dirty="0" smtClean="0"/>
+              <a:rPr lang="en-US" dirty="0"/>
               <a:t>Search installer registry</a:t>
             </a:r>
-            <a:endParaRPr lang="en-US" dirty="0"/>
           </a:p>
         </p:txBody>
       </p:sp>
@@ -8525,10 +8330,9 @@
           <a:lstStyle/>
           <a:p>
             <a:r>
-              <a:rPr lang="en-US" dirty="0" smtClean="0"/>
+              <a:rPr lang="en-US" dirty="0"/>
               <a:t>Search uninstaller registry</a:t>
             </a:r>
-            <a:endParaRPr lang="en-US" dirty="0"/>
           </a:p>
         </p:txBody>
       </p:sp>
@@ -8560,10 +8364,9 @@
           <a:lstStyle/>
           <a:p>
             <a:r>
-              <a:rPr lang="en-US" dirty="0" smtClean="0"/>
+              <a:rPr lang="en-US" dirty="0"/>
               <a:t>When a software is installed, often save uninstallation information in a registry</a:t>
             </a:r>
-            <a:endParaRPr lang="en-US" dirty="0"/>
           </a:p>
         </p:txBody>
       </p:sp>
@@ -8614,13 +8417,8 @@
           <a:p>
             <a:r>
               <a:rPr lang="en-US" dirty="0"/>
-              <a:t>Windows Automatic Startup </a:t>
-            </a:r>
-            <a:r>
-              <a:rPr lang="en-US" dirty="0" smtClean="0"/>
-              <a:t>Registry</a:t>
-            </a:r>
-            <a:endParaRPr lang="en-US" dirty="0"/>
+              <a:t>Windows Automatic Startup Registry</a:t>
+            </a:r>
           </a:p>
         </p:txBody>
       </p:sp>
@@ -8843,7 +8641,7 @@
           </a:p>
           <a:p>
             <a:r>
-              <a:rPr lang="en-US" sz="2000" i="1" dirty="0" smtClean="0">
+              <a:rPr lang="en-US" sz="2000" i="1" dirty="0">
                 <a:solidFill>
                   <a:srgbClr val="7030A0"/>
                 </a:solidFill>
@@ -8851,7 +8649,7 @@
               <a:t>HKCU\Software\Microsoft\Windows\</a:t>
             </a:r>
             <a:r>
-              <a:rPr lang="en-US" sz="2000" i="1" dirty="0" err="1" smtClean="0">
+              <a:rPr lang="en-US" sz="2000" i="1" dirty="0" err="1">
                 <a:solidFill>
                   <a:srgbClr val="7030A0"/>
                 </a:solidFill>
@@ -8859,7 +8657,7 @@
               <a:t>CurrentVersion</a:t>
             </a:r>
             <a:r>
-              <a:rPr lang="en-US" sz="2000" i="1" dirty="0" smtClean="0">
+              <a:rPr lang="en-US" sz="2000" i="1" dirty="0">
                 <a:solidFill>
                   <a:srgbClr val="7030A0"/>
                 </a:solidFill>
@@ -8867,49 +8665,44 @@
               <a:t>\</a:t>
             </a:r>
             <a:r>
-              <a:rPr lang="en-US" sz="2000" i="1" dirty="0" err="1" smtClean="0">
+              <a:rPr lang="en-US" sz="2000" i="1" dirty="0" err="1">
                 <a:solidFill>
                   <a:srgbClr val="7030A0"/>
                 </a:solidFill>
               </a:rPr>
               <a:t>RunServicesOnce</a:t>
-            </a:r>
-            <a:endParaRPr lang="en-US" sz="2000" i="1" dirty="0" smtClean="0">
-              <a:solidFill>
-                <a:srgbClr val="7030A0"/>
-              </a:solidFill>
-            </a:endParaRPr>
-          </a:p>
-          <a:p>
-            <a:r>
-              <a:rPr lang="en-US" sz="2000" i="1" dirty="0" smtClean="0">
-                <a:solidFill>
-                  <a:srgbClr val="7030A0"/>
-                </a:solidFill>
-              </a:rPr>
-              <a:t>HKLM\System\</a:t>
-            </a:r>
-            <a:r>
-              <a:rPr lang="en-US" sz="2000" i="1" dirty="0" err="1" smtClean="0">
-                <a:solidFill>
-                  <a:srgbClr val="7030A0"/>
-                </a:solidFill>
-              </a:rPr>
-              <a:t>CurrentControlSet</a:t>
-            </a:r>
-            <a:r>
-              <a:rPr lang="en-US" sz="2000" i="1" dirty="0" smtClean="0">
-                <a:solidFill>
-                  <a:srgbClr val="7030A0"/>
-                </a:solidFill>
-              </a:rPr>
-              <a:t>\Services</a:t>
             </a:r>
             <a:endParaRPr lang="en-US" sz="2000" i="1" dirty="0">
               <a:solidFill>
                 <a:srgbClr val="7030A0"/>
               </a:solidFill>
             </a:endParaRPr>
+          </a:p>
+          <a:p>
+            <a:r>
+              <a:rPr lang="en-US" sz="2000" i="1" dirty="0">
+                <a:solidFill>
+                  <a:srgbClr val="7030A0"/>
+                </a:solidFill>
+              </a:rPr>
+              <a:t>HKLM\System\</a:t>
+            </a:r>
+            <a:r>
+              <a:rPr lang="en-US" sz="2000" i="1" dirty="0" err="1">
+                <a:solidFill>
+                  <a:srgbClr val="7030A0"/>
+                </a:solidFill>
+              </a:rPr>
+              <a:t>CurrentControlSet</a:t>
+            </a:r>
+            <a:r>
+              <a:rPr lang="en-US" sz="2000" i="1" dirty="0">
+                <a:solidFill>
+                  <a:srgbClr val="7030A0"/>
+                </a:solidFill>
+              </a:rPr>
+              <a:t>\Services</a:t>
+            </a:r>
           </a:p>
           <a:p>
             <a:endParaRPr lang="en-US" sz="2000" i="1" dirty="0">
@@ -8966,7 +8759,7 @@
           <a:lstStyle/>
           <a:p>
             <a:r>
-              <a:rPr lang="en-US" dirty="0" smtClean="0">
+              <a:rPr lang="en-US" dirty="0">
                 <a:solidFill>
                   <a:srgbClr val="FF0000"/>
                 </a:solidFill>
@@ -8974,12 +8767,8 @@
               <a:t>30. </a:t>
             </a:r>
             <a:r>
-              <a:rPr lang="en-US" dirty="0" smtClean="0"/>
-              <a:t>What </a:t>
-            </a:r>
-            <a:r>
-              <a:rPr lang="en-US" dirty="0"/>
-              <a:t>files were deleted from Google Drive? </a:t>
+              <a:rPr lang="en-US" dirty="0"/>
+              <a:t>What files were deleted from Google Drive? </a:t>
             </a:r>
           </a:p>
         </p:txBody>
@@ -9000,10 +8789,9 @@
           <a:lstStyle/>
           <a:p>
             <a:r>
-              <a:rPr lang="en-US" dirty="0" smtClean="0"/>
+              <a:rPr lang="en-US" dirty="0"/>
               <a:t>Trace locations</a:t>
             </a:r>
-            <a:endParaRPr lang="en-US" dirty="0"/>
           </a:p>
           <a:p>
             <a:pPr lvl="1"/>
@@ -9162,42 +8950,22 @@
           </a:p>
           <a:p>
             <a:r>
-              <a:rPr lang="en-US" dirty="0" smtClean="0"/>
-              <a:t>Last two files </a:t>
-            </a:r>
-            <a:r>
-              <a:rPr lang="en-US" dirty="0"/>
-              <a:t>are deleted because of the logoff activity.</a:t>
+              <a:rPr lang="en-US" dirty="0"/>
+              <a:t>Last two files are deleted because of the logoff activity.</a:t>
             </a:r>
           </a:p>
           <a:p>
             <a:pPr lvl="1"/>
             <a:r>
               <a:rPr lang="en-US" dirty="0"/>
-              <a:t> </a:t>
-            </a:r>
-            <a:r>
-              <a:rPr lang="en-US" dirty="0" smtClean="0"/>
-              <a:t>Need </a:t>
-            </a:r>
-            <a:r>
-              <a:rPr lang="en-US" dirty="0"/>
-              <a:t>to recover records from unused area of SQLite file.</a:t>
+              <a:t> Need to recover records from unused area of SQLite file.</a:t>
             </a:r>
           </a:p>
           <a:p>
             <a:pPr lvl="1"/>
             <a:r>
               <a:rPr lang="en-US" dirty="0"/>
-              <a:t> </a:t>
-            </a:r>
-            <a:r>
-              <a:rPr lang="en-US" dirty="0" smtClean="0"/>
-              <a:t>If </a:t>
-            </a:r>
-            <a:r>
-              <a:rPr lang="en-US" dirty="0"/>
-              <a:t>‘</a:t>
+              <a:t> If ‘</a:t>
             </a:r>
             <a:r>
               <a:rPr lang="en-US" i="1" dirty="0">
@@ -9296,26 +9064,17 @@
           <a:lstStyle/>
           <a:p>
             <a:r>
-              <a:rPr lang="en-US" dirty="0" smtClean="0"/>
-              <a:t>Search </a:t>
-            </a:r>
-            <a:r>
-              <a:rPr lang="en-US" dirty="0" smtClean="0"/>
-              <a:t>the location of google log file </a:t>
-            </a:r>
-            <a:r>
-              <a:rPr lang="en-US" i="1" dirty="0" smtClean="0">
+              <a:rPr lang="en-US" dirty="0"/>
+              <a:t>Search the location of google log file </a:t>
+            </a:r>
+            <a:r>
+              <a:rPr lang="en-US" i="1" dirty="0">
                 <a:solidFill>
                   <a:srgbClr val="007DB5"/>
                 </a:solidFill>
               </a:rPr>
               <a:t>sync_log.log</a:t>
             </a:r>
-            <a:endParaRPr lang="en-US" i="1" dirty="0">
-              <a:solidFill>
-                <a:srgbClr val="007DB5"/>
-              </a:solidFill>
-            </a:endParaRPr>
           </a:p>
         </p:txBody>
       </p:sp>
@@ -9395,27 +9154,14 @@
           <a:lstStyle/>
           <a:p>
             <a:r>
-              <a:rPr lang="en-US" dirty="0" smtClean="0"/>
-              <a:t>Listing </a:t>
-            </a:r>
-            <a:r>
-              <a:rPr lang="en-US" dirty="0"/>
-              <a:t>of </a:t>
-            </a:r>
-            <a:r>
-              <a:rPr lang="en-US" dirty="0" smtClean="0"/>
-              <a:t>three actions </a:t>
-            </a:r>
-            <a:r>
-              <a:rPr lang="en-US" dirty="0"/>
-              <a:t>taken by Google Drive</a:t>
-            </a:r>
-            <a:endParaRPr lang="en-US" dirty="0" smtClean="0"/>
+              <a:rPr lang="en-US" dirty="0"/>
+              <a:t>Listing of three actions taken by Google Drive</a:t>
+            </a:r>
           </a:p>
           <a:p>
             <a:pPr lvl="1"/>
             <a:r>
-              <a:rPr lang="en-US" i="1" dirty="0" err="1" smtClean="0">
+              <a:rPr lang="en-US" i="1" dirty="0" err="1">
                 <a:solidFill>
                   <a:srgbClr val="007DB5"/>
                 </a:solidFill>
@@ -9447,7 +9193,7 @@
               <a:t>Action.DELETE</a:t>
             </a:r>
             <a:r>
-              <a:rPr lang="en-US" dirty="0" smtClean="0">
+              <a:rPr lang="en-US" dirty="0">
                 <a:solidFill>
                   <a:srgbClr val="007DB5"/>
                 </a:solidFill>
@@ -9457,19 +9203,14 @@
           </a:p>
           <a:p>
             <a:r>
-              <a:rPr lang="en-US" dirty="0" smtClean="0"/>
-              <a:t>Three actions are </a:t>
-            </a:r>
-            <a:r>
-              <a:rPr lang="en-US" dirty="0"/>
-              <a:t>paired up with </a:t>
-            </a:r>
-            <a:endParaRPr lang="en-US" dirty="0" smtClean="0"/>
+              <a:rPr lang="en-US" dirty="0"/>
+              <a:t>Three actions are paired up with </a:t>
+            </a:r>
           </a:p>
           <a:p>
             <a:pPr lvl="1"/>
             <a:r>
-              <a:rPr lang="en-US" i="1" dirty="0" smtClean="0">
+              <a:rPr lang="en-US" i="1" dirty="0">
                 <a:solidFill>
                   <a:srgbClr val="007DB5"/>
                 </a:solidFill>
@@ -9477,18 +9218,14 @@
               <a:t>DIRECTION.UPLOAD</a:t>
             </a:r>
             <a:r>
-              <a:rPr lang="en-US" dirty="0" smtClean="0"/>
-              <a:t>: actions </a:t>
-            </a:r>
-            <a:r>
-              <a:rPr lang="en-US" dirty="0"/>
-              <a:t>taken on the local machine which are synced to other Google Drive folders</a:t>
+              <a:rPr lang="en-US" dirty="0"/>
+              <a:t>: actions taken on the local machine which are synced to other Google Drive folders</a:t>
             </a:r>
           </a:p>
           <a:p>
             <a:pPr lvl="1"/>
             <a:r>
-              <a:rPr lang="en-US" i="1" dirty="0" smtClean="0">
+              <a:rPr lang="en-US" i="1" dirty="0">
                 <a:solidFill>
                   <a:srgbClr val="007DB5"/>
                 </a:solidFill>
@@ -9496,7 +9233,7 @@
               <a:t>DIRECTION.DOWNLOAD</a:t>
             </a:r>
             <a:r>
-              <a:rPr lang="en-US" i="1" dirty="0" smtClean="0">
+              <a:rPr lang="en-US" i="1" dirty="0">
                 <a:solidFill>
                   <a:srgbClr val="7030A0"/>
                 </a:solidFill>
@@ -9504,21 +9241,13 @@
               <a:t>: </a:t>
             </a:r>
             <a:r>
-              <a:rPr lang="en-US" dirty="0" smtClean="0"/>
-              <a:t>actions </a:t>
-            </a:r>
-            <a:r>
-              <a:rPr lang="en-US" dirty="0"/>
-              <a:t>taken elsewhere which are synced to the local </a:t>
-            </a:r>
-            <a:r>
-              <a:rPr lang="en-US" dirty="0" smtClean="0"/>
-              <a:t>machine</a:t>
-            </a:r>
-          </a:p>
-          <a:p>
-            <a:r>
-              <a:rPr lang="en-US" dirty="0" smtClean="0"/>
+              <a:rPr lang="en-US" dirty="0"/>
+              <a:t>actions taken elsewhere which are synced to the local machine</a:t>
+            </a:r>
+          </a:p>
+          <a:p>
+            <a:r>
+              <a:rPr lang="en-US" dirty="0"/>
               <a:t>Assume a suspect </a:t>
             </a:r>
             <a:r>
@@ -9541,12 +9270,11 @@
               <a:rPr lang="en-US" dirty="0"/>
               <a:t>the folder on this local machine's Google Drive </a:t>
             </a:r>
-            <a:endParaRPr lang="en-US" dirty="0" smtClean="0"/>
           </a:p>
           <a:p>
             <a:pPr lvl="1"/>
             <a:r>
-              <a:rPr lang="en-US" dirty="0" smtClean="0"/>
+              <a:rPr lang="en-US" dirty="0"/>
               <a:t>Search for </a:t>
             </a:r>
             <a:r>
@@ -9558,7 +9286,7 @@
               <a:t>Action.CREATE</a:t>
             </a:r>
             <a:r>
-              <a:rPr lang="en-US" dirty="0" smtClean="0">
+              <a:rPr lang="en-US" dirty="0">
                 <a:solidFill>
                   <a:srgbClr val="007DB5"/>
                 </a:solidFill>
@@ -9659,7 +9387,7 @@
           <a:lstStyle/>
           <a:p>
             <a:r>
-              <a:rPr lang="en-US" dirty="0" smtClean="0"/>
+              <a:rPr lang="en-US" dirty="0"/>
               <a:t>Search </a:t>
             </a:r>
             <a:r>
@@ -9668,33 +9396,28 @@
                   <a:srgbClr val="FF0000"/>
                 </a:solidFill>
               </a:rPr>
-              <a:t>D</a:t>
-            </a:r>
-            <a:r>
-              <a:rPr lang="en-US" i="1" dirty="0">
+              <a:t>Delete</a:t>
+            </a:r>
+            <a:r>
+              <a:rPr lang="en-US" dirty="0"/>
+              <a:t> or </a:t>
+            </a:r>
+            <a:r>
+              <a:rPr lang="en-US" i="1">
                 <a:solidFill>
                   <a:srgbClr val="FF0000"/>
                 </a:solidFill>
               </a:rPr>
-              <a:t>eleted</a:t>
-            </a:r>
-            <a:r>
-              <a:rPr lang="en-US" dirty="0" smtClean="0"/>
-              <a:t> or </a:t>
-            </a:r>
-            <a:r>
-              <a:rPr lang="en-US" i="1" dirty="0" smtClean="0">
-                <a:solidFill>
-                  <a:srgbClr val="FF0000"/>
-                </a:solidFill>
-              </a:rPr>
               <a:t>Create</a:t>
             </a:r>
             <a:r>
-              <a:rPr lang="en-US" dirty="0" smtClean="0"/>
-              <a:t> action recorded by the log file </a:t>
-            </a:r>
-            <a:endParaRPr lang="en-US" dirty="0"/>
+              <a:rPr lang="en-US"/>
+              <a:t> actions </a:t>
+            </a:r>
+            <a:r>
+              <a:rPr lang="en-US" dirty="0"/>
+              <a:t>recorded by the log file </a:t>
+            </a:r>
           </a:p>
         </p:txBody>
       </p:sp>
@@ -9744,7 +9467,7 @@
           <a:lstStyle/>
           <a:p>
             <a:r>
-              <a:rPr lang="en-US" dirty="0" smtClean="0">
+              <a:rPr lang="en-US" dirty="0">
                 <a:solidFill>
                   <a:srgbClr val="FF0000"/>
                 </a:solidFill>
@@ -9776,18 +9499,14 @@
           <a:lstStyle/>
           <a:p>
             <a:r>
-              <a:rPr lang="en-US" dirty="0" smtClean="0"/>
-              <a:t>Trace </a:t>
-            </a:r>
-            <a:r>
-              <a:rPr lang="en-US" dirty="0"/>
-              <a:t>locations</a:t>
+              <a:rPr lang="en-US" dirty="0"/>
+              <a:t>Trace locations</a:t>
             </a:r>
           </a:p>
           <a:p>
             <a:pPr lvl="1"/>
             <a:r>
-              <a:rPr lang="en-US" i="1" dirty="0" smtClean="0">
+              <a:rPr lang="en-US" i="1" dirty="0">
                 <a:solidFill>
                   <a:srgbClr val="7030A0"/>
                 </a:solidFill>
@@ -9795,7 +9514,7 @@
               <a:t>\User\informant\</a:t>
             </a:r>
             <a:r>
-              <a:rPr lang="en-US" i="1" dirty="0" err="1" smtClean="0">
+              <a:rPr lang="en-US" i="1" dirty="0" err="1">
                 <a:solidFill>
                   <a:srgbClr val="7030A0"/>
                 </a:solidFill>
@@ -9803,7 +9522,7 @@
               <a:t>AppData</a:t>
             </a:r>
             <a:r>
-              <a:rPr lang="en-US" i="1" dirty="0" smtClean="0">
+              <a:rPr lang="en-US" i="1" dirty="0">
                 <a:solidFill>
                   <a:srgbClr val="7030A0"/>
                 </a:solidFill>
@@ -9811,7 +9530,7 @@
               <a:t>\Google\Drive\</a:t>
             </a:r>
             <a:r>
-              <a:rPr lang="en-US" i="1" dirty="0" err="1" smtClean="0">
+              <a:rPr lang="en-US" i="1" dirty="0" err="1">
                 <a:solidFill>
                   <a:srgbClr val="7030A0"/>
                 </a:solidFill>
@@ -9819,7 +9538,7 @@
               <a:t>user_default</a:t>
             </a:r>
             <a:r>
-              <a:rPr lang="en-US" i="1" dirty="0" smtClean="0">
+              <a:rPr lang="en-US" i="1" dirty="0">
                 <a:solidFill>
                   <a:srgbClr val="7030A0"/>
                 </a:solidFill>
@@ -9830,36 +9549,27 @@
           <a:p>
             <a:pPr lvl="2"/>
             <a:r>
-              <a:rPr lang="en-US" dirty="0" smtClean="0"/>
+              <a:rPr lang="en-US" dirty="0"/>
               <a:t>Account information, i.e</a:t>
             </a:r>
             <a:r>
-              <a:rPr lang="en-US" smtClean="0"/>
+              <a:rPr lang="en-US"/>
               <a:t>., email, </a:t>
             </a:r>
             <a:r>
-              <a:rPr lang="en-US" dirty="0" smtClean="0"/>
+              <a:rPr lang="en-US" dirty="0"/>
               <a:t>is needed when sync local and remote hosts</a:t>
             </a:r>
-            <a:endParaRPr lang="en-US" dirty="0"/>
           </a:p>
           <a:p>
             <a:pPr lvl="1"/>
             <a:r>
-              <a:rPr lang="en-US" i="1" dirty="0" smtClean="0">
+              <a:rPr lang="en-US" i="1" dirty="0">
                 <a:solidFill>
                   <a:srgbClr val="7030A0"/>
                 </a:solidFill>
               </a:rPr>
-              <a:t>\</a:t>
-            </a:r>
-            <a:r>
-              <a:rPr lang="en-US" i="1" dirty="0">
-                <a:solidFill>
-                  <a:srgbClr val="7030A0"/>
-                </a:solidFill>
-              </a:rPr>
-              <a:t>User\informant\</a:t>
+              <a:t>\User\informant\</a:t>
             </a:r>
             <a:r>
               <a:rPr lang="en-US" i="1" dirty="0" err="1">
@@ -10046,10 +9756,9 @@
           <a:lstStyle/>
           <a:p>
             <a:r>
-              <a:rPr lang="en-US" dirty="0" smtClean="0"/>
+              <a:rPr lang="en-US" dirty="0"/>
               <a:t>Search email via regex</a:t>
             </a:r>
-            <a:endParaRPr lang="en-US" dirty="0"/>
           </a:p>
         </p:txBody>
       </p:sp>
@@ -10147,7 +9856,7 @@
           <a:lstStyle/>
           <a:p>
             <a:r>
-              <a:rPr lang="en-US" dirty="0" smtClean="0">
+              <a:rPr lang="en-US" dirty="0">
                 <a:solidFill>
                   <a:srgbClr val="FF0000"/>
                 </a:solidFill>
@@ -10155,7 +9864,7 @@
               <a:t>27.1 </a:t>
             </a:r>
             <a:r>
-              <a:rPr lang="en-US" i="1" dirty="0" err="1" smtClean="0">
+              <a:rPr lang="en-US" i="1" dirty="0" err="1">
                 <a:solidFill>
                   <a:srgbClr val="007DB5"/>
                 </a:solidFill>
@@ -10218,11 +9927,11 @@
           <a:lstStyle/>
           <a:p>
             <a:r>
-              <a:rPr lang="en-US" dirty="0" smtClean="0"/>
+              <a:rPr lang="en-US" dirty="0"/>
               <a:t>Exam </a:t>
             </a:r>
             <a:r>
-              <a:rPr lang="en-US" i="1" dirty="0" err="1" smtClean="0">
+              <a:rPr lang="en-US" i="1" dirty="0" err="1">
                 <a:solidFill>
                   <a:srgbClr val="007DB5"/>
                 </a:solidFill>
@@ -10230,7 +9939,7 @@
               <a:t>shellbag</a:t>
             </a:r>
             <a:r>
-              <a:rPr lang="en-US" dirty="0" smtClean="0">
+              <a:rPr lang="en-US" dirty="0">
                 <a:solidFill>
                   <a:srgbClr val="007DB5"/>
                 </a:solidFill>
@@ -10238,10 +9947,9 @@
               <a:t> </a:t>
             </a:r>
             <a:r>
-              <a:rPr lang="en-US" dirty="0" smtClean="0"/>
+              <a:rPr lang="en-US" dirty="0"/>
               <a:t>with the IP</a:t>
             </a:r>
-            <a:endParaRPr lang="en-US" dirty="0"/>
           </a:p>
         </p:txBody>
       </p:sp>
@@ -10351,7 +10059,7 @@
           <a:lstStyle/>
           <a:p>
             <a:r>
-              <a:rPr lang="en-US" dirty="0" smtClean="0">
+              <a:rPr lang="en-US" dirty="0">
                 <a:solidFill>
                   <a:srgbClr val="FF0000"/>
                 </a:solidFill>
@@ -10359,7 +10067,7 @@
               <a:t>27.2 </a:t>
             </a:r>
             <a:r>
-              <a:rPr lang="en-US" i="1" dirty="0" smtClean="0">
+              <a:rPr lang="en-US" i="1" dirty="0">
                 <a:solidFill>
                   <a:srgbClr val="007DB5"/>
                 </a:solidFill>
@@ -10422,11 +10130,11 @@
           <a:lstStyle/>
           <a:p>
             <a:r>
-              <a:rPr lang="en-US" dirty="0" smtClean="0"/>
+              <a:rPr lang="en-US" dirty="0"/>
               <a:t>Exam </a:t>
             </a:r>
             <a:r>
-              <a:rPr lang="en-US" i="1" dirty="0" smtClean="0">
+              <a:rPr lang="en-US" i="1" dirty="0">
                 <a:solidFill>
                   <a:srgbClr val="007DB5"/>
                 </a:solidFill>
@@ -10434,10 +10142,9 @@
               <a:t>Jump list </a:t>
             </a:r>
             <a:r>
-              <a:rPr lang="en-US" dirty="0" smtClean="0"/>
+              <a:rPr lang="en-US" dirty="0"/>
               <a:t>with the IP</a:t>
             </a:r>
-            <a:endParaRPr lang="en-US" dirty="0"/>
           </a:p>
         </p:txBody>
       </p:sp>
@@ -10490,11 +10197,11 @@
           <a:lstStyle/>
           <a:p>
             <a:r>
-              <a:rPr lang="en-US" dirty="0" smtClean="0"/>
+              <a:rPr lang="en-US" dirty="0"/>
               <a:t>Exam </a:t>
             </a:r>
             <a:r>
-              <a:rPr lang="en-US" i="1" dirty="0" smtClean="0">
+              <a:rPr lang="en-US" i="1" dirty="0">
                 <a:solidFill>
                   <a:srgbClr val="007DB5"/>
                 </a:solidFill>
@@ -10502,22 +10209,17 @@
               <a:t>Jump list </a:t>
             </a:r>
             <a:r>
-              <a:rPr lang="en-US" dirty="0" smtClean="0"/>
+              <a:rPr lang="en-US" dirty="0"/>
               <a:t>volume letter </a:t>
             </a:r>
             <a:r>
-              <a:rPr lang="en-US" dirty="0" smtClean="0">
+              <a:rPr lang="en-US" dirty="0">
                 <a:solidFill>
                   <a:srgbClr val="FF0000"/>
                 </a:solidFill>
               </a:rPr>
               <a:t>V:</a:t>
             </a:r>
-            <a:endParaRPr lang="en-US" dirty="0">
-              <a:solidFill>
-                <a:srgbClr val="FF0000"/>
-              </a:solidFill>
-            </a:endParaRPr>
           </a:p>
         </p:txBody>
       </p:sp>
@@ -10567,7 +10269,7 @@
           <a:lstStyle/>
           <a:p>
             <a:r>
-              <a:rPr lang="en-US" dirty="0" smtClean="0">
+              <a:rPr lang="en-US" dirty="0">
                 <a:solidFill>
                   <a:srgbClr val="FF0000"/>
                 </a:solidFill>
@@ -10575,11 +10277,11 @@
               <a:t>27.3 </a:t>
             </a:r>
             <a:r>
-              <a:rPr lang="en-US" dirty="0" smtClean="0"/>
+              <a:rPr lang="en-US" dirty="0"/>
               <a:t>Link </a:t>
             </a:r>
             <a:r>
-              <a:rPr lang="en-US" i="1" dirty="0" smtClean="0">
+              <a:rPr lang="en-US" i="1" dirty="0">
                 <a:solidFill>
                   <a:srgbClr val="007DB5"/>
                 </a:solidFill>
@@ -10587,7 +10289,7 @@
               <a:t>.</a:t>
             </a:r>
             <a:r>
-              <a:rPr lang="en-US" i="1" dirty="0" err="1" smtClean="0">
+              <a:rPr lang="en-US" i="1" dirty="0" err="1">
                 <a:solidFill>
                   <a:srgbClr val="007DB5"/>
                 </a:solidFill>
@@ -10595,7 +10297,7 @@
               <a:t>lnk</a:t>
             </a:r>
             <a:r>
-              <a:rPr lang="en-US" i="1" dirty="0" smtClean="0">
+              <a:rPr lang="en-US" i="1" dirty="0">
                 <a:solidFill>
                   <a:srgbClr val="007DB5"/>
                 </a:solidFill>
@@ -10630,38 +10332,21 @@
           <a:lstStyle/>
           <a:p>
             <a:r>
-              <a:rPr lang="en-US" dirty="0" smtClean="0"/>
-              <a:t>Is </a:t>
-            </a:r>
-            <a:r>
-              <a:rPr lang="en-US" dirty="0"/>
-              <a:t>a shortcut or "link" used by Windows as a reference to an original file, folder, or </a:t>
-            </a:r>
-            <a:r>
-              <a:rPr lang="en-US" dirty="0" smtClean="0"/>
-              <a:t>application</a:t>
+              <a:rPr lang="en-US" dirty="0"/>
+              <a:t>Is a shortcut or "link" used by Windows as a reference to an original file, folder, or application</a:t>
             </a:r>
           </a:p>
           <a:p>
             <a:pPr lvl="1"/>
             <a:r>
-              <a:rPr lang="en-US" dirty="0" smtClean="0"/>
-              <a:t>Similar </a:t>
-            </a:r>
-            <a:r>
-              <a:rPr lang="en-US" dirty="0"/>
-              <a:t>to an alias on the Macintosh platform. </a:t>
-            </a:r>
-            <a:endParaRPr lang="en-US" dirty="0" smtClean="0"/>
-          </a:p>
-          <a:p>
-            <a:r>
-              <a:rPr lang="en-US" dirty="0" smtClean="0"/>
-              <a:t>It </a:t>
-            </a:r>
-            <a:r>
-              <a:rPr lang="en-US" dirty="0"/>
-              <a:t>contains the shortcut target type, location, and filename as well as the program that opens the target file and an optional shortcut key.</a:t>
+              <a:rPr lang="en-US" dirty="0"/>
+              <a:t>Similar to an alias on the Macintosh platform. </a:t>
+            </a:r>
+          </a:p>
+          <a:p>
+            <a:r>
+              <a:rPr lang="en-US" dirty="0"/>
+              <a:t>It contains the shortcut target type, location, and filename as well as the program that opens the target file and an optional shortcut key.</a:t>
             </a:r>
           </a:p>
         </p:txBody>
@@ -10838,12 +10523,8 @@
               <a:t> </a:t>
             </a:r>
             <a:r>
-              <a:rPr lang="en-US" dirty="0" smtClean="0"/>
-              <a:t>Files </a:t>
-            </a:r>
-            <a:r>
-              <a:rPr lang="en-US" dirty="0"/>
-              <a:t>Location</a:t>
+              <a:rPr lang="en-US" dirty="0"/>
+              <a:t>Files Location</a:t>
             </a:r>
           </a:p>
         </p:txBody>
@@ -10864,99 +10545,61 @@
           <a:lstStyle/>
           <a:p>
             <a:r>
-              <a:rPr lang="en-US" dirty="0" smtClean="0"/>
+              <a:rPr lang="en-US" dirty="0"/>
               <a:t>Recently used files via links</a:t>
             </a:r>
           </a:p>
           <a:p>
             <a:pPr lvl="1"/>
             <a:r>
-              <a:rPr lang="en-US" dirty="0" smtClean="0"/>
+              <a:rPr lang="en-US" dirty="0"/>
               <a:t>Windows and Office</a:t>
             </a:r>
-            <a:endParaRPr lang="en-US" dirty="0" smtClean="0"/>
-          </a:p>
-          <a:p>
-            <a:r>
-              <a:rPr lang="en-US" dirty="0" smtClean="0"/>
-              <a:t>Windows </a:t>
-            </a:r>
-            <a:r>
-              <a:rPr lang="en-US" dirty="0"/>
-              <a:t>7 to </a:t>
-            </a:r>
-            <a:r>
-              <a:rPr lang="en-US" dirty="0" smtClean="0"/>
-              <a:t>10 </a:t>
+          </a:p>
+          <a:p>
+            <a:r>
+              <a:rPr lang="en-US" dirty="0"/>
+              <a:t>Windows 7 to 10 </a:t>
             </a:r>
           </a:p>
           <a:p>
             <a:pPr lvl="1"/>
             <a:r>
-              <a:rPr lang="en-US" i="1" dirty="0" smtClean="0">
+              <a:rPr lang="en-US" i="1" dirty="0">
                 <a:solidFill>
                   <a:srgbClr val="7030A0"/>
                 </a:solidFill>
               </a:rPr>
-              <a:t>C</a:t>
-            </a:r>
+              <a:t>C:\Users\%USERNAME%\AppData\Roaming\Microsoft\Windows\Recent</a:t>
+            </a:r>
+          </a:p>
+          <a:p>
+            <a:pPr lvl="1"/>
             <a:r>
               <a:rPr lang="en-US" i="1" dirty="0">
                 <a:solidFill>
                   <a:srgbClr val="7030A0"/>
                 </a:solidFill>
               </a:rPr>
-              <a:t>:\Users\%USERNAME%\</a:t>
-            </a:r>
-            <a:r>
-              <a:rPr lang="en-US" i="1" dirty="0" smtClean="0">
+              <a:t>C:\Users\%USERNAME%\AppData\Roaming\Microsoft\Office\Recent\</a:t>
+            </a:r>
+          </a:p>
+          <a:p>
+            <a:r>
+              <a:rPr lang="en-US" dirty="0"/>
+              <a:t>Windows XP</a:t>
+            </a:r>
+          </a:p>
+          <a:p>
+            <a:pPr lvl="1"/>
+            <a:r>
+              <a:rPr lang="en-US" i="1" dirty="0">
                 <a:solidFill>
                   <a:srgbClr val="7030A0"/>
                 </a:solidFill>
               </a:rPr>
-              <a:t>AppData\Roaming\Microsoft\Windows\Recent</a:t>
-            </a:r>
-          </a:p>
-          <a:p>
-            <a:pPr lvl="1"/>
-            <a:r>
-              <a:rPr lang="en-US" i="1" dirty="0">
-                <a:solidFill>
-                  <a:srgbClr val="7030A0"/>
-                </a:solidFill>
-              </a:rPr>
-              <a:t>C:\Users\%USERNAME%\AppData\Roaming\Microsoft\Office\Recent\</a:t>
-            </a:r>
-          </a:p>
-          <a:p>
-            <a:r>
-              <a:rPr lang="en-US" dirty="0" smtClean="0"/>
-              <a:t>Windows XP</a:t>
-            </a:r>
-          </a:p>
-          <a:p>
-            <a:pPr lvl="1"/>
-            <a:r>
-              <a:rPr lang="en-US" i="1" dirty="0">
-                <a:solidFill>
-                  <a:srgbClr val="7030A0"/>
-                </a:solidFill>
-              </a:rPr>
-              <a:t>C:\Documents and Settings\%USERNAME%\</a:t>
-            </a:r>
-            <a:r>
-              <a:rPr lang="en-US" i="1" dirty="0" smtClean="0">
-                <a:solidFill>
-                  <a:srgbClr val="7030A0"/>
-                </a:solidFill>
-              </a:rPr>
-              <a:t>Recent</a:t>
-            </a:r>
-            <a:endParaRPr lang="en-US" i="1" dirty="0">
-              <a:solidFill>
-                <a:srgbClr val="7030A0"/>
-              </a:solidFill>
-            </a:endParaRPr>
+              <a:t>C:\Documents and Settings\%USERNAME%\Recent</a:t>
+            </a:r>
           </a:p>
         </p:txBody>
       </p:sp>
@@ -11039,15 +10682,11 @@
           <a:lstStyle/>
           <a:p>
             <a:r>
-              <a:rPr lang="en-US" dirty="0" smtClean="0"/>
-              <a:t>Check </a:t>
-            </a:r>
-            <a:r>
-              <a:rPr lang="en-US" dirty="0"/>
-              <a:t>Windows</a:t>
-            </a:r>
-            <a:r>
-              <a:rPr lang="en-US" i="1" dirty="0" smtClean="0">
+              <a:rPr lang="en-US" dirty="0"/>
+              <a:t>Check Windows</a:t>
+            </a:r>
+            <a:r>
+              <a:rPr lang="en-US" i="1" dirty="0">
                 <a:solidFill>
                   <a:srgbClr val="7030A0"/>
                 </a:solidFill>
@@ -11055,7 +10694,7 @@
               <a:t> .</a:t>
             </a:r>
             <a:r>
-              <a:rPr lang="en-US" i="1" dirty="0" err="1" smtClean="0">
+              <a:rPr lang="en-US" i="1" dirty="0" err="1">
                 <a:solidFill>
                   <a:srgbClr val="7030A0"/>
                 </a:solidFill>
@@ -11119,11 +10758,11 @@
           <a:lstStyle/>
           <a:p>
             <a:r>
-              <a:rPr lang="en-US" dirty="0" smtClean="0"/>
+              <a:rPr lang="en-US" dirty="0"/>
               <a:t>Check Office</a:t>
             </a:r>
             <a:r>
-              <a:rPr lang="en-US" i="1" dirty="0" smtClean="0">
+              <a:rPr lang="en-US" i="1" dirty="0">
                 <a:solidFill>
                   <a:srgbClr val="7030A0"/>
                 </a:solidFill>
@@ -11131,7 +10770,7 @@
               <a:t> .</a:t>
             </a:r>
             <a:r>
-              <a:rPr lang="en-US" i="1" dirty="0" err="1" smtClean="0">
+              <a:rPr lang="en-US" i="1" dirty="0" err="1">
                 <a:solidFill>
                   <a:srgbClr val="7030A0"/>
                 </a:solidFill>
@@ -11225,11 +10864,11 @@
           <a:lstStyle/>
           <a:p>
             <a:r>
-              <a:rPr lang="en-US" dirty="0" smtClean="0"/>
+              <a:rPr lang="en-US" dirty="0"/>
               <a:t>View a </a:t>
             </a:r>
             <a:r>
-              <a:rPr lang="en-US" i="1" dirty="0" smtClean="0">
+              <a:rPr lang="en-US" i="1" dirty="0">
                 <a:solidFill>
                   <a:srgbClr val="7030A0"/>
                 </a:solidFill>
@@ -11237,7 +10876,7 @@
               <a:t>.</a:t>
             </a:r>
             <a:r>
-              <a:rPr lang="en-US" i="1" dirty="0" err="1" smtClean="0">
+              <a:rPr lang="en-US" i="1" dirty="0" err="1">
                 <a:solidFill>
                   <a:srgbClr val="7030A0"/>
                 </a:solidFill>
@@ -11245,7 +10884,7 @@
               <a:t>lnk</a:t>
             </a:r>
             <a:r>
-              <a:rPr lang="en-US" i="1" dirty="0" smtClean="0">
+              <a:rPr lang="en-US" i="1" dirty="0">
                 <a:solidFill>
                   <a:srgbClr val="7030A0"/>
                 </a:solidFill>
@@ -11275,11 +10914,11 @@
           <a:lstStyle/>
           <a:p>
             <a:r>
-              <a:rPr lang="en-US" dirty="0" smtClean="0"/>
+              <a:rPr lang="en-US" dirty="0"/>
               <a:t>How to view </a:t>
             </a:r>
             <a:r>
-              <a:rPr lang="en-US" i="1" dirty="0" smtClean="0">
+              <a:rPr lang="en-US" i="1" dirty="0">
                 <a:solidFill>
                   <a:srgbClr val="FF0000"/>
                 </a:solidFill>
@@ -11287,7 +10926,7 @@
               <a:t>.</a:t>
             </a:r>
             <a:r>
-              <a:rPr lang="en-US" i="1" dirty="0" err="1" smtClean="0">
+              <a:rPr lang="en-US" i="1" dirty="0" err="1">
                 <a:solidFill>
                   <a:srgbClr val="FF0000"/>
                 </a:solidFill>
